--- a/images/fpc/high-level/hl-diagrams.pptx
+++ b/images/fpc/high-level/hl-diagrams.pptx
@@ -5,16 +5,17 @@
     <p:sldMasterId id="2147483652" r:id="rId1"/>
   </p:sldMasterIdLst>
   <p:notesMasterIdLst>
-    <p:notesMasterId r:id="rId6"/>
+    <p:notesMasterId r:id="rId7"/>
   </p:notesMasterIdLst>
   <p:handoutMasterIdLst>
-    <p:handoutMasterId r:id="rId7"/>
+    <p:handoutMasterId r:id="rId8"/>
   </p:handoutMasterIdLst>
   <p:sldIdLst>
     <p:sldId id="6301" r:id="rId2"/>
     <p:sldId id="6309" r:id="rId3"/>
     <p:sldId id="6312" r:id="rId4"/>
-    <p:sldId id="6311" r:id="rId5"/>
+    <p:sldId id="6313" r:id="rId5"/>
+    <p:sldId id="6311" r:id="rId6"/>
   </p:sldIdLst>
   <p:sldSz cx="9144000" cy="5143500" type="screen16x9"/>
   <p:notesSz cx="6858000" cy="9144000"/>
@@ -166,6 +167,7 @@
             <p14:sldId id="6301"/>
             <p14:sldId id="6309"/>
             <p14:sldId id="6312"/>
+            <p14:sldId id="6313"/>
             <p14:sldId id="6311"/>
           </p14:sldIdLst>
         </p14:section>
@@ -272,7 +274,7 @@
             <a:fld id="{B39099E1-2F6C-1143-9DF8-8ECBCD01D041}" type="datetimeFigureOut">
               <a:rPr lang="en-US" smtClean="0"/>
               <a:pPr/>
-              <a:t>11/19/20</a:t>
+              <a:t>2020-11-19</a:t>
             </a:fld>
             <a:endParaRPr lang="en-US"/>
           </a:p>
@@ -11702,8 +11704,8 @@
         </p:nvSpPr>
         <p:spPr bwMode="auto">
           <a:xfrm>
-            <a:off x="6634856" y="3886709"/>
-            <a:ext cx="1295024" cy="428727"/>
+            <a:off x="6634855" y="3886709"/>
+            <a:ext cx="1323941" cy="684839"/>
           </a:xfrm>
           <a:prstGeom prst="wedgeRoundRectCallout">
             <a:avLst>
@@ -11761,6 +11763,12 @@
               <a:rPr lang="en-US" sz="800" dirty="0"/>
               <a:t>12. Check against CC Def</a:t>
             </a:r>
+          </a:p>
+          <a:p>
+            <a:r>
+              <a:rPr lang="en-US" sz="800" dirty="0"/>
+              <a:t>13. Store Credentials</a:t>
+            </a:r>
             <a:endParaRPr lang="en-CH" sz="800" dirty="0"/>
           </a:p>
         </p:txBody>
@@ -12029,7 +12037,23 @@
                   <a:schemeClr val="tx1"/>
                 </a:solidFill>
               </a:rPr>
-              <a:t>12. Submit registerEnclave tx for ordering</a:t>
+              <a:t>1</a:t>
+            </a:r>
+            <a:r>
+              <a:rPr lang="en-US" sz="800" dirty="0">
+                <a:solidFill>
+                  <a:schemeClr val="tx1"/>
+                </a:solidFill>
+              </a:rPr>
+              <a:t>4</a:t>
+            </a:r>
+            <a:r>
+              <a:rPr lang="en-CH" sz="800" dirty="0">
+                <a:solidFill>
+                  <a:schemeClr val="tx1"/>
+                </a:solidFill>
+              </a:rPr>
+              <a:t>. Submit registerEnclave tx for ordering</a:t>
             </a:r>
           </a:p>
         </p:txBody>
@@ -12278,6 +12302,2666 @@
 </file>
 
 <file path=ppt/slides/slide4.xml><?xml version="1.0" encoding="utf-8"?>
+<p:sld xmlns:a="http://schemas.openxmlformats.org/drawingml/2006/main" xmlns:r="http://schemas.openxmlformats.org/officeDocument/2006/relationships" xmlns:p="http://schemas.openxmlformats.org/presentationml/2006/main">
+  <p:cSld>
+    <p:spTree>
+      <p:nvGrpSpPr>
+        <p:cNvPr id="1" name=""/>
+        <p:cNvGrpSpPr/>
+        <p:nvPr/>
+      </p:nvGrpSpPr>
+      <p:grpSpPr>
+        <a:xfrm>
+          <a:off x="0" y="0"/>
+          <a:ext cx="0" cy="0"/>
+          <a:chOff x="0" y="0"/>
+          <a:chExt cx="0" cy="0"/>
+        </a:xfrm>
+      </p:grpSpPr>
+      <p:cxnSp>
+        <p:nvCxnSpPr>
+          <p:cNvPr id="5" name="Elbow Connector 4">
+            <a:extLst>
+              <a:ext uri="{FF2B5EF4-FFF2-40B4-BE49-F238E27FC236}">
+                <a16:creationId xmlns:a16="http://schemas.microsoft.com/office/drawing/2014/main" id="{1DFC81B4-815E-9848-8001-CD1113549BB6}"/>
+              </a:ext>
+            </a:extLst>
+          </p:cNvPr>
+          <p:cNvCxnSpPr>
+            <a:cxnSpLocks/>
+          </p:cNvCxnSpPr>
+          <p:nvPr/>
+        </p:nvCxnSpPr>
+        <p:spPr bwMode="auto">
+          <a:xfrm rot="5400000">
+            <a:off x="7119817" y="1910132"/>
+            <a:ext cx="493699" cy="1704"/>
+          </a:xfrm>
+          <a:prstGeom prst="bentConnector3">
+            <a:avLst>
+              <a:gd name="adj1" fmla="val 50000"/>
+            </a:avLst>
+          </a:prstGeom>
+          <a:ln w="44450" cap="flat" cmpd="sng" algn="ctr">
+            <a:solidFill>
+              <a:srgbClr val="FFC000"/>
+            </a:solidFill>
+            <a:prstDash val="solid"/>
+            <a:round/>
+            <a:headEnd type="none" w="med" len="med"/>
+            <a:tailEnd type="arrow" w="med" len="med"/>
+          </a:ln>
+        </p:spPr>
+        <p:style>
+          <a:lnRef idx="0">
+            <a:scrgbClr r="0" g="0" b="0"/>
+          </a:lnRef>
+          <a:fillRef idx="0">
+            <a:scrgbClr r="0" g="0" b="0"/>
+          </a:fillRef>
+          <a:effectRef idx="0">
+            <a:scrgbClr r="0" g="0" b="0"/>
+          </a:effectRef>
+          <a:fontRef idx="minor">
+            <a:schemeClr val="tx1"/>
+          </a:fontRef>
+        </p:style>
+      </p:cxnSp>
+      <p:cxnSp>
+        <p:nvCxnSpPr>
+          <p:cNvPr id="7" name="Elbow Connector 6">
+            <a:extLst>
+              <a:ext uri="{FF2B5EF4-FFF2-40B4-BE49-F238E27FC236}">
+                <a16:creationId xmlns:a16="http://schemas.microsoft.com/office/drawing/2014/main" id="{17A62DFA-3241-2C4E-81BC-381BFBD1A461}"/>
+              </a:ext>
+            </a:extLst>
+          </p:cNvPr>
+          <p:cNvCxnSpPr>
+            <a:cxnSpLocks/>
+          </p:cNvCxnSpPr>
+          <p:nvPr/>
+        </p:nvCxnSpPr>
+        <p:spPr bwMode="auto">
+          <a:xfrm rot="5400000">
+            <a:off x="7016601" y="1910133"/>
+            <a:ext cx="493699" cy="1704"/>
+          </a:xfrm>
+          <a:prstGeom prst="bentConnector3">
+            <a:avLst>
+              <a:gd name="adj1" fmla="val 50000"/>
+            </a:avLst>
+          </a:prstGeom>
+          <a:ln w="44450" cap="flat" cmpd="sng" algn="ctr">
+            <a:solidFill>
+              <a:srgbClr val="FFC000"/>
+            </a:solidFill>
+            <a:prstDash val="solid"/>
+            <a:round/>
+            <a:headEnd type="none" w="med" len="med"/>
+            <a:tailEnd type="arrow" w="med" len="med"/>
+          </a:ln>
+        </p:spPr>
+        <p:style>
+          <a:lnRef idx="0">
+            <a:scrgbClr r="0" g="0" b="0"/>
+          </a:lnRef>
+          <a:fillRef idx="0">
+            <a:scrgbClr r="0" g="0" b="0"/>
+          </a:fillRef>
+          <a:effectRef idx="0">
+            <a:scrgbClr r="0" g="0" b="0"/>
+          </a:effectRef>
+          <a:fontRef idx="minor">
+            <a:schemeClr val="tx1"/>
+          </a:fontRef>
+        </p:style>
+      </p:cxnSp>
+      <p:sp>
+        <p:nvSpPr>
+          <p:cNvPr id="10" name="Rectangle 9">
+            <a:extLst>
+              <a:ext uri="{FF2B5EF4-FFF2-40B4-BE49-F238E27FC236}">
+                <a16:creationId xmlns:a16="http://schemas.microsoft.com/office/drawing/2014/main" id="{4674A1AF-7740-5A46-A0C5-8730B6F48ABF}"/>
+              </a:ext>
+            </a:extLst>
+          </p:cNvPr>
+          <p:cNvSpPr/>
+          <p:nvPr/>
+        </p:nvSpPr>
+        <p:spPr>
+          <a:xfrm>
+            <a:off x="4182177" y="1852551"/>
+            <a:ext cx="3520828" cy="2648329"/>
+          </a:xfrm>
+          <a:prstGeom prst="rect">
+            <a:avLst/>
+          </a:prstGeom>
+          <a:solidFill>
+            <a:schemeClr val="tx1"/>
+          </a:solidFill>
+          <a:ln w="25400"/>
+          <a:effectLst>
+            <a:outerShdw blurRad="50800" dist="38100" dir="2700000" algn="tl" rotWithShape="0">
+              <a:prstClr val="black">
+                <a:alpha val="40000"/>
+              </a:prstClr>
+            </a:outerShdw>
+          </a:effectLst>
+        </p:spPr>
+        <p:style>
+          <a:lnRef idx="3">
+            <a:schemeClr val="lt1"/>
+          </a:lnRef>
+          <a:fillRef idx="1">
+            <a:schemeClr val="dk1"/>
+          </a:fillRef>
+          <a:effectRef idx="1">
+            <a:schemeClr val="dk1"/>
+          </a:effectRef>
+          <a:fontRef idx="minor">
+            <a:schemeClr val="lt1"/>
+          </a:fontRef>
+        </p:style>
+        <p:txBody>
+          <a:bodyPr rot="0" spcFirstLastPara="0" vertOverflow="overflow" horzOverflow="overflow" vert="horz" wrap="square" lIns="72000" tIns="72000" rIns="72000" bIns="72000" numCol="1" spcCol="0" rtlCol="0" fromWordArt="0" anchor="t" anchorCtr="0" forceAA="0" compatLnSpc="1">
+            <a:prstTxWarp prst="textNoShape">
+              <a:avLst/>
+            </a:prstTxWarp>
+            <a:noAutofit/>
+          </a:bodyPr>
+          <a:lstStyle/>
+          <a:p>
+            <a:r>
+              <a:rPr lang="en-US" sz="800" dirty="0">
+                <a:ea typeface="Arial" charset="0"/>
+                <a:cs typeface="Arial" charset="0"/>
+              </a:rPr>
+              <a:t>Fabric Peer</a:t>
+            </a:r>
+          </a:p>
+        </p:txBody>
+      </p:sp>
+      <p:cxnSp>
+        <p:nvCxnSpPr>
+          <p:cNvPr id="16" name="Elbow Connector 15">
+            <a:extLst>
+              <a:ext uri="{FF2B5EF4-FFF2-40B4-BE49-F238E27FC236}">
+                <a16:creationId xmlns:a16="http://schemas.microsoft.com/office/drawing/2014/main" id="{7DC1B246-595C-9148-90AB-9061D76FB8F3}"/>
+              </a:ext>
+            </a:extLst>
+          </p:cNvPr>
+          <p:cNvCxnSpPr>
+            <a:cxnSpLocks/>
+            <a:stCxn id="73" idx="0"/>
+            <a:endCxn id="39" idx="1"/>
+          </p:cNvCxnSpPr>
+          <p:nvPr/>
+        </p:nvCxnSpPr>
+        <p:spPr bwMode="auto">
+          <a:xfrm rot="5400000" flipH="1" flipV="1">
+            <a:off x="4069678" y="561715"/>
+            <a:ext cx="1643401" cy="3380203"/>
+          </a:xfrm>
+          <a:prstGeom prst="bentConnector2">
+            <a:avLst/>
+          </a:prstGeom>
+          <a:ln w="31750">
+            <a:solidFill>
+              <a:srgbClr val="FFC000"/>
+            </a:solidFill>
+            <a:headEnd type="none" w="med" len="med"/>
+            <a:tailEnd type="triangle" w="med" len="med"/>
+          </a:ln>
+        </p:spPr>
+        <p:style>
+          <a:lnRef idx="1">
+            <a:schemeClr val="accent6"/>
+          </a:lnRef>
+          <a:fillRef idx="0">
+            <a:schemeClr val="accent6"/>
+          </a:fillRef>
+          <a:effectRef idx="0">
+            <a:schemeClr val="accent6"/>
+          </a:effectRef>
+          <a:fontRef idx="minor">
+            <a:schemeClr val="tx1"/>
+          </a:fontRef>
+        </p:style>
+      </p:cxnSp>
+      <p:cxnSp>
+        <p:nvCxnSpPr>
+          <p:cNvPr id="17" name="Elbow Connector 16">
+            <a:extLst>
+              <a:ext uri="{FF2B5EF4-FFF2-40B4-BE49-F238E27FC236}">
+                <a16:creationId xmlns:a16="http://schemas.microsoft.com/office/drawing/2014/main" id="{FFC8B4C5-BB66-C24B-AFC1-E9266763F63E}"/>
+              </a:ext>
+            </a:extLst>
+          </p:cNvPr>
+          <p:cNvCxnSpPr>
+            <a:cxnSpLocks/>
+            <a:stCxn id="39" idx="2"/>
+          </p:cNvCxnSpPr>
+          <p:nvPr/>
+        </p:nvCxnSpPr>
+        <p:spPr bwMode="auto">
+          <a:xfrm rot="5400000">
+            <a:off x="6998295" y="1825224"/>
+            <a:ext cx="323880" cy="1704"/>
+          </a:xfrm>
+          <a:prstGeom prst="bentConnector3">
+            <a:avLst>
+              <a:gd name="adj1" fmla="val 50000"/>
+            </a:avLst>
+          </a:prstGeom>
+          <a:ln w="44450" cap="flat" cmpd="sng" algn="ctr">
+            <a:solidFill>
+              <a:srgbClr val="FFC000"/>
+            </a:solidFill>
+            <a:prstDash val="solid"/>
+            <a:round/>
+            <a:headEnd type="none" w="med" len="med"/>
+            <a:tailEnd type="triangle" w="med" len="med"/>
+          </a:ln>
+        </p:spPr>
+        <p:style>
+          <a:lnRef idx="0">
+            <a:scrgbClr r="0" g="0" b="0"/>
+          </a:lnRef>
+          <a:fillRef idx="0">
+            <a:scrgbClr r="0" g="0" b="0"/>
+          </a:fillRef>
+          <a:effectRef idx="0">
+            <a:scrgbClr r="0" g="0" b="0"/>
+          </a:effectRef>
+          <a:fontRef idx="minor">
+            <a:schemeClr val="tx1"/>
+          </a:fontRef>
+        </p:style>
+      </p:cxnSp>
+      <p:sp>
+        <p:nvSpPr>
+          <p:cNvPr id="20" name="Rectangle 19">
+            <a:extLst>
+              <a:ext uri="{FF2B5EF4-FFF2-40B4-BE49-F238E27FC236}">
+                <a16:creationId xmlns:a16="http://schemas.microsoft.com/office/drawing/2014/main" id="{3C308CC7-5CCA-334C-8762-A15D8A47C0A0}"/>
+              </a:ext>
+            </a:extLst>
+          </p:cNvPr>
+          <p:cNvSpPr/>
+          <p:nvPr/>
+        </p:nvSpPr>
+        <p:spPr>
+          <a:xfrm>
+            <a:off x="4334954" y="3989659"/>
+            <a:ext cx="2262157" cy="370005"/>
+          </a:xfrm>
+          <a:prstGeom prst="rect">
+            <a:avLst/>
+          </a:prstGeom>
+          <a:solidFill>
+            <a:schemeClr val="bg2"/>
+          </a:solidFill>
+          <a:ln w="25400"/>
+          <a:effectLst>
+            <a:outerShdw blurRad="50800" dist="38100" dir="2700000" algn="tl" rotWithShape="0">
+              <a:prstClr val="black">
+                <a:alpha val="40000"/>
+              </a:prstClr>
+            </a:outerShdw>
+          </a:effectLst>
+        </p:spPr>
+        <p:style>
+          <a:lnRef idx="3">
+            <a:schemeClr val="lt1"/>
+          </a:lnRef>
+          <a:fillRef idx="1">
+            <a:schemeClr val="dk1"/>
+          </a:fillRef>
+          <a:effectRef idx="1">
+            <a:schemeClr val="dk1"/>
+          </a:effectRef>
+          <a:fontRef idx="minor">
+            <a:schemeClr val="lt1"/>
+          </a:fontRef>
+        </p:style>
+        <p:txBody>
+          <a:bodyPr rot="0" spcFirstLastPara="0" vertOverflow="overflow" horzOverflow="overflow" vert="horz" wrap="square" lIns="72000" tIns="72000" rIns="68580" bIns="34290" numCol="1" spcCol="0" rtlCol="0" fromWordArt="0" anchor="ctr" anchorCtr="0" forceAA="0" compatLnSpc="1">
+            <a:prstTxWarp prst="textNoShape">
+              <a:avLst/>
+            </a:prstTxWarp>
+            <a:noAutofit/>
+          </a:bodyPr>
+          <a:lstStyle/>
+          <a:p>
+            <a:pPr algn="ctr"/>
+            <a:r>
+              <a:rPr lang="en-US" sz="800" dirty="0"/>
+              <a:t>Enclave Registry Chaincode</a:t>
+            </a:r>
+          </a:p>
+        </p:txBody>
+      </p:sp>
+      <p:sp>
+        <p:nvSpPr>
+          <p:cNvPr id="43" name="Rectangle 42">
+            <a:extLst>
+              <a:ext uri="{FF2B5EF4-FFF2-40B4-BE49-F238E27FC236}">
+                <a16:creationId xmlns:a16="http://schemas.microsoft.com/office/drawing/2014/main" id="{0BB0A54B-5595-304F-AD6E-DA6BCA6C517B}"/>
+              </a:ext>
+            </a:extLst>
+          </p:cNvPr>
+          <p:cNvSpPr/>
+          <p:nvPr/>
+        </p:nvSpPr>
+        <p:spPr>
+          <a:xfrm>
+            <a:off x="4334954" y="2157833"/>
+            <a:ext cx="2262157" cy="1676879"/>
+          </a:xfrm>
+          <a:prstGeom prst="rect">
+            <a:avLst/>
+          </a:prstGeom>
+          <a:solidFill>
+            <a:schemeClr val="bg2"/>
+          </a:solidFill>
+          <a:ln w="25400"/>
+          <a:effectLst>
+            <a:outerShdw blurRad="50800" dist="38100" dir="2700000" algn="tl" rotWithShape="0">
+              <a:prstClr val="black">
+                <a:alpha val="40000"/>
+              </a:prstClr>
+            </a:outerShdw>
+          </a:effectLst>
+        </p:spPr>
+        <p:style>
+          <a:lnRef idx="3">
+            <a:schemeClr val="lt1"/>
+          </a:lnRef>
+          <a:fillRef idx="1">
+            <a:schemeClr val="dk1"/>
+          </a:fillRef>
+          <a:effectRef idx="1">
+            <a:schemeClr val="dk1"/>
+          </a:effectRef>
+          <a:fontRef idx="minor">
+            <a:schemeClr val="lt1"/>
+          </a:fontRef>
+        </p:style>
+        <p:txBody>
+          <a:bodyPr rot="0" spcFirstLastPara="0" vertOverflow="overflow" horzOverflow="overflow" vert="horz" wrap="square" lIns="72000" tIns="72000" rIns="68580" bIns="34290" numCol="1" spcCol="0" rtlCol="0" fromWordArt="0" anchor="t" anchorCtr="0" forceAA="0" compatLnSpc="1">
+            <a:prstTxWarp prst="textNoShape">
+              <a:avLst/>
+            </a:prstTxWarp>
+            <a:noAutofit/>
+          </a:bodyPr>
+          <a:lstStyle/>
+          <a:p>
+            <a:r>
+              <a:rPr lang="en-US" sz="800" dirty="0"/>
+              <a:t>FPC Chaincode Pkg</a:t>
+            </a:r>
+          </a:p>
+        </p:txBody>
+      </p:sp>
+      <p:grpSp>
+        <p:nvGrpSpPr>
+          <p:cNvPr id="12" name="Group 11">
+            <a:extLst>
+              <a:ext uri="{FF2B5EF4-FFF2-40B4-BE49-F238E27FC236}">
+                <a16:creationId xmlns:a16="http://schemas.microsoft.com/office/drawing/2014/main" id="{350614E6-5DF4-734C-BD65-93D5B6776DAD}"/>
+              </a:ext>
+            </a:extLst>
+          </p:cNvPr>
+          <p:cNvGrpSpPr/>
+          <p:nvPr/>
+        </p:nvGrpSpPr>
+        <p:grpSpPr>
+          <a:xfrm>
+            <a:off x="5450548" y="2253847"/>
+            <a:ext cx="1044760" cy="963832"/>
+            <a:chOff x="-1387083" y="976828"/>
+            <a:chExt cx="1396972" cy="1358018"/>
+          </a:xfrm>
+        </p:grpSpPr>
+        <p:sp>
+          <p:nvSpPr>
+            <p:cNvPr id="31" name="Rectangle 30">
+              <a:extLst>
+                <a:ext uri="{FF2B5EF4-FFF2-40B4-BE49-F238E27FC236}">
+                  <a16:creationId xmlns:a16="http://schemas.microsoft.com/office/drawing/2014/main" id="{B8667EE4-7038-DD4D-A1B5-DDCD1990D649}"/>
+                </a:ext>
+              </a:extLst>
+            </p:cNvPr>
+            <p:cNvSpPr/>
+            <p:nvPr/>
+          </p:nvSpPr>
+          <p:spPr>
+            <a:xfrm>
+              <a:off x="-1387083" y="976828"/>
+              <a:ext cx="1396972" cy="1358018"/>
+            </a:xfrm>
+            <a:prstGeom prst="rect">
+              <a:avLst/>
+            </a:prstGeom>
+            <a:solidFill>
+              <a:srgbClr val="00B0F0"/>
+            </a:solidFill>
+            <a:ln w="25400"/>
+            <a:effectLst>
+              <a:outerShdw blurRad="50800" dist="38100" dir="2700000" algn="tl" rotWithShape="0">
+                <a:prstClr val="black">
+                  <a:alpha val="40000"/>
+                </a:prstClr>
+              </a:outerShdw>
+            </a:effectLst>
+          </p:spPr>
+          <p:style>
+            <a:lnRef idx="3">
+              <a:schemeClr val="lt1"/>
+            </a:lnRef>
+            <a:fillRef idx="1">
+              <a:schemeClr val="dk1"/>
+            </a:fillRef>
+            <a:effectRef idx="1">
+              <a:schemeClr val="dk1"/>
+            </a:effectRef>
+            <a:fontRef idx="minor">
+              <a:schemeClr val="lt1"/>
+            </a:fontRef>
+          </p:style>
+          <p:txBody>
+            <a:bodyPr rot="0" spcFirstLastPara="0" vertOverflow="overflow" horzOverflow="overflow" vert="horz" wrap="square" lIns="72000" tIns="72000" rIns="68580" bIns="34290" numCol="1" spcCol="0" rtlCol="0" fromWordArt="0" anchor="t" anchorCtr="0" forceAA="0" compatLnSpc="1">
+              <a:prstTxWarp prst="textNoShape">
+                <a:avLst/>
+              </a:prstTxWarp>
+              <a:noAutofit/>
+            </a:bodyPr>
+            <a:lstStyle/>
+            <a:p>
+              <a:r>
+                <a:rPr lang="en-US" sz="800" dirty="0"/>
+                <a:t>Chaincode Enclave</a:t>
+              </a:r>
+            </a:p>
+          </p:txBody>
+        </p:sp>
+        <p:sp>
+          <p:nvSpPr>
+            <p:cNvPr id="32" name="Rectangle 31">
+              <a:extLst>
+                <a:ext uri="{FF2B5EF4-FFF2-40B4-BE49-F238E27FC236}">
+                  <a16:creationId xmlns:a16="http://schemas.microsoft.com/office/drawing/2014/main" id="{F1624A49-4349-FB4E-8207-EA867BD1BE67}"/>
+                </a:ext>
+              </a:extLst>
+            </p:cNvPr>
+            <p:cNvSpPr/>
+            <p:nvPr/>
+          </p:nvSpPr>
+          <p:spPr>
+            <a:xfrm>
+              <a:off x="-1295715" y="1738872"/>
+              <a:ext cx="1204588" cy="482586"/>
+            </a:xfrm>
+            <a:prstGeom prst="rect">
+              <a:avLst/>
+            </a:prstGeom>
+            <a:solidFill>
+              <a:srgbClr val="00B0F0"/>
+            </a:solidFill>
+            <a:ln w="25400"/>
+            <a:effectLst/>
+          </p:spPr>
+          <p:style>
+            <a:lnRef idx="3">
+              <a:schemeClr val="lt1"/>
+            </a:lnRef>
+            <a:fillRef idx="1">
+              <a:schemeClr val="dk1"/>
+            </a:fillRef>
+            <a:effectRef idx="1">
+              <a:schemeClr val="dk1"/>
+            </a:effectRef>
+            <a:fontRef idx="minor">
+              <a:schemeClr val="lt1"/>
+            </a:fontRef>
+          </p:style>
+          <p:txBody>
+            <a:bodyPr rot="0" spcFirstLastPara="0" vertOverflow="overflow" horzOverflow="overflow" vert="horz" wrap="square" lIns="68580" tIns="34290" rIns="68580" bIns="34290" numCol="1" spcCol="0" rtlCol="0" fromWordArt="0" anchor="ctr" anchorCtr="0" forceAA="0" compatLnSpc="1">
+              <a:prstTxWarp prst="textNoShape">
+                <a:avLst/>
+              </a:prstTxWarp>
+              <a:noAutofit/>
+            </a:bodyPr>
+            <a:lstStyle/>
+            <a:p>
+              <a:pPr algn="ctr"/>
+              <a:r>
+                <a:rPr lang="en-US" sz="800" dirty="0" err="1"/>
+                <a:t>Chaincode</a:t>
+              </a:r>
+              <a:endParaRPr lang="en-US" sz="800" dirty="0"/>
+            </a:p>
+          </p:txBody>
+        </p:sp>
+        <p:sp>
+          <p:nvSpPr>
+            <p:cNvPr id="33" name="Rectangle 32">
+              <a:extLst>
+                <a:ext uri="{FF2B5EF4-FFF2-40B4-BE49-F238E27FC236}">
+                  <a16:creationId xmlns:a16="http://schemas.microsoft.com/office/drawing/2014/main" id="{0539F72F-24C0-AE4D-880F-FCBCD54C86B4}"/>
+                </a:ext>
+              </a:extLst>
+            </p:cNvPr>
+            <p:cNvSpPr/>
+            <p:nvPr/>
+          </p:nvSpPr>
+          <p:spPr>
+            <a:xfrm>
+              <a:off x="-1295715" y="1363367"/>
+              <a:ext cx="1191073" cy="277632"/>
+            </a:xfrm>
+            <a:prstGeom prst="rect">
+              <a:avLst/>
+            </a:prstGeom>
+            <a:solidFill>
+              <a:srgbClr val="00B0F0"/>
+            </a:solidFill>
+            <a:ln w="25400"/>
+            <a:effectLst/>
+          </p:spPr>
+          <p:style>
+            <a:lnRef idx="3">
+              <a:schemeClr val="lt1"/>
+            </a:lnRef>
+            <a:fillRef idx="1">
+              <a:schemeClr val="dk1"/>
+            </a:fillRef>
+            <a:effectRef idx="1">
+              <a:schemeClr val="dk1"/>
+            </a:effectRef>
+            <a:fontRef idx="minor">
+              <a:schemeClr val="lt1"/>
+            </a:fontRef>
+          </p:style>
+          <p:txBody>
+            <a:bodyPr rot="0" spcFirstLastPara="0" vertOverflow="overflow" horzOverflow="overflow" vert="horz" wrap="square" lIns="68580" tIns="34290" rIns="68580" bIns="34290" numCol="1" spcCol="0" rtlCol="0" fromWordArt="0" anchor="ctr" anchorCtr="0" forceAA="0" compatLnSpc="1">
+              <a:prstTxWarp prst="textNoShape">
+                <a:avLst/>
+              </a:prstTxWarp>
+              <a:noAutofit/>
+            </a:bodyPr>
+            <a:lstStyle/>
+            <a:p>
+              <a:pPr algn="ctr"/>
+              <a:r>
+                <a:rPr lang="en-US" sz="800" dirty="0"/>
+                <a:t>Shim</a:t>
+              </a:r>
+            </a:p>
+          </p:txBody>
+        </p:sp>
+      </p:grpSp>
+      <p:sp>
+        <p:nvSpPr>
+          <p:cNvPr id="46" name="Rectangle 45">
+            <a:extLst>
+              <a:ext uri="{FF2B5EF4-FFF2-40B4-BE49-F238E27FC236}">
+                <a16:creationId xmlns:a16="http://schemas.microsoft.com/office/drawing/2014/main" id="{BEB84A8F-5A5D-8C48-8BED-0ED364AC54AE}"/>
+              </a:ext>
+            </a:extLst>
+          </p:cNvPr>
+          <p:cNvSpPr/>
+          <p:nvPr/>
+        </p:nvSpPr>
+        <p:spPr>
+          <a:xfrm>
+            <a:off x="5453925" y="3293390"/>
+            <a:ext cx="1044760" cy="440066"/>
+          </a:xfrm>
+          <a:prstGeom prst="rect">
+            <a:avLst/>
+          </a:prstGeom>
+          <a:solidFill>
+            <a:schemeClr val="bg2"/>
+          </a:solidFill>
+          <a:ln w="25400"/>
+          <a:effectLst>
+            <a:outerShdw blurRad="50800" dist="38100" dir="2700000" algn="tl" rotWithShape="0">
+              <a:prstClr val="black">
+                <a:alpha val="40000"/>
+              </a:prstClr>
+            </a:outerShdw>
+          </a:effectLst>
+        </p:spPr>
+        <p:style>
+          <a:lnRef idx="3">
+            <a:schemeClr val="lt1"/>
+          </a:lnRef>
+          <a:fillRef idx="1">
+            <a:schemeClr val="dk1"/>
+          </a:fillRef>
+          <a:effectRef idx="1">
+            <a:schemeClr val="dk1"/>
+          </a:effectRef>
+          <a:fontRef idx="minor">
+            <a:schemeClr val="lt1"/>
+          </a:fontRef>
+        </p:style>
+        <p:txBody>
+          <a:bodyPr rot="0" spcFirstLastPara="0" vertOverflow="overflow" horzOverflow="overflow" vert="horz" wrap="square" lIns="72000" tIns="72000" rIns="68580" bIns="34290" numCol="1" spcCol="0" rtlCol="0" fromWordArt="0" anchor="ctr" anchorCtr="0" forceAA="0" compatLnSpc="1">
+            <a:prstTxWarp prst="textNoShape">
+              <a:avLst/>
+            </a:prstTxWarp>
+            <a:noAutofit/>
+          </a:bodyPr>
+          <a:lstStyle/>
+          <a:p>
+            <a:pPr algn="ctr"/>
+            <a:r>
+              <a:rPr lang="en-US" sz="800" dirty="0"/>
+              <a:t>Enclave Endorsement Validation</a:t>
+            </a:r>
+          </a:p>
+        </p:txBody>
+      </p:sp>
+      <p:cxnSp>
+        <p:nvCxnSpPr>
+          <p:cNvPr id="53" name="Straight Arrow Connector 52">
+            <a:extLst>
+              <a:ext uri="{FF2B5EF4-FFF2-40B4-BE49-F238E27FC236}">
+                <a16:creationId xmlns:a16="http://schemas.microsoft.com/office/drawing/2014/main" id="{0EAD1C0F-72F3-A74D-AAA6-D5BBECC8A6E1}"/>
+              </a:ext>
+            </a:extLst>
+          </p:cNvPr>
+          <p:cNvCxnSpPr>
+            <a:stCxn id="31" idx="1"/>
+            <a:endCxn id="33" idx="1"/>
+          </p:cNvCxnSpPr>
+          <p:nvPr/>
+        </p:nvCxnSpPr>
+        <p:spPr bwMode="auto">
+          <a:xfrm flipV="1">
+            <a:off x="5450548" y="2626710"/>
+            <a:ext cx="68332" cy="109053"/>
+          </a:xfrm>
+          <a:prstGeom prst="straightConnector1">
+            <a:avLst/>
+          </a:prstGeom>
+          <a:noFill/>
+          <a:ln w="9525" cap="flat" cmpd="sng" algn="ctr">
+            <a:noFill/>
+            <a:prstDash val="solid"/>
+            <a:round/>
+            <a:headEnd type="triangle"/>
+            <a:tailEnd type="triangle"/>
+          </a:ln>
+          <a:effectLst/>
+        </p:spPr>
+      </p:cxnSp>
+      <p:cxnSp>
+        <p:nvCxnSpPr>
+          <p:cNvPr id="61" name="Straight Arrow Connector 60">
+            <a:extLst>
+              <a:ext uri="{FF2B5EF4-FFF2-40B4-BE49-F238E27FC236}">
+                <a16:creationId xmlns:a16="http://schemas.microsoft.com/office/drawing/2014/main" id="{E9281E7D-C70A-3B41-BBC5-A859E235F928}"/>
+              </a:ext>
+            </a:extLst>
+          </p:cNvPr>
+          <p:cNvCxnSpPr>
+            <a:cxnSpLocks/>
+          </p:cNvCxnSpPr>
+          <p:nvPr/>
+        </p:nvCxnSpPr>
+        <p:spPr bwMode="auto">
+          <a:xfrm>
+            <a:off x="5964266" y="3692128"/>
+            <a:ext cx="0" cy="366792"/>
+          </a:xfrm>
+          <a:prstGeom prst="straightConnector1">
+            <a:avLst/>
+          </a:prstGeom>
+          <a:ln w="31750">
+            <a:solidFill>
+              <a:srgbClr val="FFC000"/>
+            </a:solidFill>
+            <a:headEnd type="triangle" w="med" len="med"/>
+            <a:tailEnd type="triangle"/>
+          </a:ln>
+        </p:spPr>
+        <p:style>
+          <a:lnRef idx="1">
+            <a:schemeClr val="accent2"/>
+          </a:lnRef>
+          <a:fillRef idx="0">
+            <a:schemeClr val="accent2"/>
+          </a:fillRef>
+          <a:effectRef idx="0">
+            <a:schemeClr val="accent2"/>
+          </a:effectRef>
+          <a:fontRef idx="minor">
+            <a:schemeClr val="tx1"/>
+          </a:fontRef>
+        </p:style>
+      </p:cxnSp>
+      <p:cxnSp>
+        <p:nvCxnSpPr>
+          <p:cNvPr id="70" name="Elbow Connector 69">
+            <a:extLst>
+              <a:ext uri="{FF2B5EF4-FFF2-40B4-BE49-F238E27FC236}">
+                <a16:creationId xmlns:a16="http://schemas.microsoft.com/office/drawing/2014/main" id="{F1754C78-14E6-C745-92FA-EEAA5BEA74FD}"/>
+              </a:ext>
+            </a:extLst>
+          </p:cNvPr>
+          <p:cNvCxnSpPr>
+            <a:cxnSpLocks/>
+            <a:stCxn id="73" idx="3"/>
+            <a:endCxn id="20" idx="1"/>
+          </p:cNvCxnSpPr>
+          <p:nvPr/>
+        </p:nvCxnSpPr>
+        <p:spPr bwMode="auto">
+          <a:xfrm>
+            <a:off x="3607327" y="3232849"/>
+            <a:ext cx="727627" cy="941813"/>
+          </a:xfrm>
+          <a:prstGeom prst="bentConnector3">
+            <a:avLst>
+              <a:gd name="adj1" fmla="val 50000"/>
+            </a:avLst>
+          </a:prstGeom>
+          <a:ln w="31750">
+            <a:solidFill>
+              <a:srgbClr val="FFC000"/>
+            </a:solidFill>
+            <a:headEnd type="triangle"/>
+            <a:tailEnd type="triangle"/>
+          </a:ln>
+        </p:spPr>
+        <p:style>
+          <a:lnRef idx="1">
+            <a:schemeClr val="accent6"/>
+          </a:lnRef>
+          <a:fillRef idx="0">
+            <a:schemeClr val="accent6"/>
+          </a:fillRef>
+          <a:effectRef idx="0">
+            <a:schemeClr val="accent6"/>
+          </a:effectRef>
+          <a:fontRef idx="minor">
+            <a:schemeClr val="tx1"/>
+          </a:fontRef>
+        </p:style>
+      </p:cxnSp>
+      <p:cxnSp>
+        <p:nvCxnSpPr>
+          <p:cNvPr id="79" name="Elbow Connector 78">
+            <a:extLst>
+              <a:ext uri="{FF2B5EF4-FFF2-40B4-BE49-F238E27FC236}">
+                <a16:creationId xmlns:a16="http://schemas.microsoft.com/office/drawing/2014/main" id="{026F0BD9-9ABB-3A44-B7D0-A25D79101F50}"/>
+              </a:ext>
+            </a:extLst>
+          </p:cNvPr>
+          <p:cNvCxnSpPr>
+            <a:cxnSpLocks/>
+            <a:stCxn id="73" idx="3"/>
+          </p:cNvCxnSpPr>
+          <p:nvPr/>
+        </p:nvCxnSpPr>
+        <p:spPr bwMode="auto">
+          <a:xfrm>
+            <a:off x="3607327" y="3232849"/>
+            <a:ext cx="819424" cy="1968"/>
+          </a:xfrm>
+          <a:prstGeom prst="bentConnector3">
+            <a:avLst>
+              <a:gd name="adj1" fmla="val 50000"/>
+            </a:avLst>
+          </a:prstGeom>
+          <a:ln w="31750">
+            <a:solidFill>
+              <a:srgbClr val="FFC000"/>
+            </a:solidFill>
+            <a:headEnd type="triangle"/>
+            <a:tailEnd type="triangle"/>
+          </a:ln>
+        </p:spPr>
+        <p:style>
+          <a:lnRef idx="1">
+            <a:schemeClr val="accent6"/>
+          </a:lnRef>
+          <a:fillRef idx="0">
+            <a:schemeClr val="accent6"/>
+          </a:fillRef>
+          <a:effectRef idx="0">
+            <a:schemeClr val="accent6"/>
+          </a:effectRef>
+          <a:fontRef idx="minor">
+            <a:schemeClr val="tx1"/>
+          </a:fontRef>
+        </p:style>
+      </p:cxnSp>
+      <p:grpSp>
+        <p:nvGrpSpPr>
+          <p:cNvPr id="57" name="Group 56">
+            <a:extLst>
+              <a:ext uri="{FF2B5EF4-FFF2-40B4-BE49-F238E27FC236}">
+                <a16:creationId xmlns:a16="http://schemas.microsoft.com/office/drawing/2014/main" id="{EA14ADFD-B2D1-2F4A-B223-5D12993B79A3}"/>
+              </a:ext>
+            </a:extLst>
+          </p:cNvPr>
+          <p:cNvGrpSpPr/>
+          <p:nvPr/>
+        </p:nvGrpSpPr>
+        <p:grpSpPr>
+          <a:xfrm>
+            <a:off x="6742340" y="2156105"/>
+            <a:ext cx="825222" cy="1157735"/>
+            <a:chOff x="5282319" y="2411817"/>
+            <a:chExt cx="825222" cy="1157735"/>
+          </a:xfrm>
+        </p:grpSpPr>
+        <p:sp>
+          <p:nvSpPr>
+            <p:cNvPr id="58" name="Rectangle 57">
+              <a:extLst>
+                <a:ext uri="{FF2B5EF4-FFF2-40B4-BE49-F238E27FC236}">
+                  <a16:creationId xmlns:a16="http://schemas.microsoft.com/office/drawing/2014/main" id="{0619D2E0-47D9-814B-B51E-957F3CA4C9B7}"/>
+                </a:ext>
+              </a:extLst>
+            </p:cNvPr>
+            <p:cNvSpPr/>
+            <p:nvPr/>
+          </p:nvSpPr>
+          <p:spPr>
+            <a:xfrm>
+              <a:off x="5282319" y="2411817"/>
+              <a:ext cx="807333" cy="318666"/>
+            </a:xfrm>
+            <a:prstGeom prst="rect">
+              <a:avLst/>
+            </a:prstGeom>
+            <a:solidFill>
+              <a:schemeClr val="tx1"/>
+            </a:solidFill>
+            <a:ln w="25400"/>
+            <a:effectLst>
+              <a:outerShdw blurRad="50800" dist="38100" dir="2700000" algn="tl" rotWithShape="0">
+                <a:prstClr val="black">
+                  <a:alpha val="40000"/>
+                </a:prstClr>
+              </a:outerShdw>
+            </a:effectLst>
+          </p:spPr>
+          <p:style>
+            <a:lnRef idx="3">
+              <a:schemeClr val="lt1"/>
+            </a:lnRef>
+            <a:fillRef idx="1">
+              <a:schemeClr val="dk1"/>
+            </a:fillRef>
+            <a:effectRef idx="1">
+              <a:schemeClr val="dk1"/>
+            </a:effectRef>
+            <a:fontRef idx="minor">
+              <a:schemeClr val="lt1"/>
+            </a:fontRef>
+          </p:style>
+          <p:txBody>
+            <a:bodyPr rot="0" spcFirstLastPara="0" vertOverflow="overflow" horzOverflow="overflow" vert="horz" wrap="square" lIns="68580" tIns="34290" rIns="68580" bIns="34290" numCol="1" spcCol="0" rtlCol="0" fromWordArt="0" anchor="ctr" anchorCtr="0" forceAA="0" compatLnSpc="1">
+              <a:prstTxWarp prst="textNoShape">
+                <a:avLst/>
+              </a:prstTxWarp>
+              <a:noAutofit/>
+            </a:bodyPr>
+            <a:lstStyle/>
+            <a:p>
+              <a:pPr algn="ctr"/>
+              <a:r>
+                <a:rPr lang="en-US" sz="800" dirty="0"/>
+                <a:t>Validation</a:t>
+              </a:r>
+            </a:p>
+          </p:txBody>
+        </p:sp>
+        <p:grpSp>
+          <p:nvGrpSpPr>
+            <p:cNvPr id="59" name="Group 58">
+              <a:extLst>
+                <a:ext uri="{FF2B5EF4-FFF2-40B4-BE49-F238E27FC236}">
+                  <a16:creationId xmlns:a16="http://schemas.microsoft.com/office/drawing/2014/main" id="{F2325040-6E11-6647-9E4C-F91CC2FE6D1D}"/>
+                </a:ext>
+              </a:extLst>
+            </p:cNvPr>
+            <p:cNvGrpSpPr/>
+            <p:nvPr/>
+          </p:nvGrpSpPr>
+          <p:grpSpPr>
+            <a:xfrm>
+              <a:off x="5282319" y="3250886"/>
+              <a:ext cx="807333" cy="318666"/>
+              <a:chOff x="5294033" y="3250886"/>
+              <a:chExt cx="807333" cy="318666"/>
+            </a:xfrm>
+          </p:grpSpPr>
+          <p:sp>
+            <p:nvSpPr>
+              <p:cNvPr id="65" name="Rectangle 64">
+                <a:extLst>
+                  <a:ext uri="{FF2B5EF4-FFF2-40B4-BE49-F238E27FC236}">
+                    <a16:creationId xmlns:a16="http://schemas.microsoft.com/office/drawing/2014/main" id="{9E412ADF-8A08-1E4C-BF62-F0368A2338E1}"/>
+                  </a:ext>
+                </a:extLst>
+              </p:cNvPr>
+              <p:cNvSpPr/>
+              <p:nvPr/>
+            </p:nvSpPr>
+            <p:spPr>
+              <a:xfrm>
+                <a:off x="5294033" y="3250886"/>
+                <a:ext cx="807333" cy="318666"/>
+              </a:xfrm>
+              <a:prstGeom prst="rect">
+                <a:avLst/>
+              </a:prstGeom>
+              <a:solidFill>
+                <a:schemeClr val="tx1"/>
+              </a:solidFill>
+              <a:ln w="25400"/>
+              <a:effectLst>
+                <a:outerShdw blurRad="50800" dist="38100" dir="2700000" algn="tl" rotWithShape="0">
+                  <a:prstClr val="black">
+                    <a:alpha val="40000"/>
+                  </a:prstClr>
+                </a:outerShdw>
+              </a:effectLst>
+            </p:spPr>
+            <p:style>
+              <a:lnRef idx="3">
+                <a:schemeClr val="lt1"/>
+              </a:lnRef>
+              <a:fillRef idx="1">
+                <a:schemeClr val="dk1"/>
+              </a:fillRef>
+              <a:effectRef idx="1">
+                <a:schemeClr val="dk1"/>
+              </a:effectRef>
+              <a:fontRef idx="minor">
+                <a:schemeClr val="lt1"/>
+              </a:fontRef>
+            </p:style>
+            <p:txBody>
+              <a:bodyPr rot="0" spcFirstLastPara="0" vertOverflow="overflow" horzOverflow="overflow" vert="horz" wrap="square" lIns="68580" tIns="34290" rIns="68580" bIns="34290" numCol="1" spcCol="0" rtlCol="0" fromWordArt="0" anchor="t" anchorCtr="0" forceAA="0" compatLnSpc="1">
+                <a:prstTxWarp prst="textNoShape">
+                  <a:avLst/>
+                </a:prstTxWarp>
+                <a:noAutofit/>
+              </a:bodyPr>
+              <a:lstStyle/>
+              <a:p>
+                <a:pPr algn="ctr"/>
+                <a:r>
+                  <a:rPr lang="en-US" sz="800" dirty="0"/>
+                  <a:t>Ledger</a:t>
+                </a:r>
+              </a:p>
+            </p:txBody>
+          </p:sp>
+          <p:sp>
+            <p:nvSpPr>
+              <p:cNvPr id="67" name="Rectangle 66">
+                <a:extLst>
+                  <a:ext uri="{FF2B5EF4-FFF2-40B4-BE49-F238E27FC236}">
+                    <a16:creationId xmlns:a16="http://schemas.microsoft.com/office/drawing/2014/main" id="{10382D16-D80F-6543-96B0-9FA40F0F8850}"/>
+                  </a:ext>
+                </a:extLst>
+              </p:cNvPr>
+              <p:cNvSpPr/>
+              <p:nvPr/>
+            </p:nvSpPr>
+            <p:spPr>
+              <a:xfrm>
+                <a:off x="5350713" y="3420340"/>
+                <a:ext cx="122820" cy="108064"/>
+              </a:xfrm>
+              <a:prstGeom prst="rect">
+                <a:avLst/>
+              </a:prstGeom>
+              <a:solidFill>
+                <a:srgbClr val="FFC000"/>
+              </a:solidFill>
+              <a:ln w="25400"/>
+              <a:effectLst/>
+            </p:spPr>
+            <p:style>
+              <a:lnRef idx="3">
+                <a:schemeClr val="lt1"/>
+              </a:lnRef>
+              <a:fillRef idx="1">
+                <a:schemeClr val="dk1"/>
+              </a:fillRef>
+              <a:effectRef idx="1">
+                <a:schemeClr val="dk1"/>
+              </a:effectRef>
+              <a:fontRef idx="minor">
+                <a:schemeClr val="lt1"/>
+              </a:fontRef>
+            </p:style>
+            <p:txBody>
+              <a:bodyPr rot="0" spcFirstLastPara="0" vertOverflow="overflow" horzOverflow="overflow" vert="horz" wrap="square" lIns="68580" tIns="34290" rIns="68580" bIns="34290" numCol="1" spcCol="0" rtlCol="0" fromWordArt="0" anchor="ctr" anchorCtr="0" forceAA="0" compatLnSpc="1">
+                <a:prstTxWarp prst="textNoShape">
+                  <a:avLst/>
+                </a:prstTxWarp>
+                <a:noAutofit/>
+              </a:bodyPr>
+              <a:lstStyle/>
+              <a:p>
+                <a:pPr algn="ctr"/>
+                <a:endParaRPr lang="en-US" sz="800" dirty="0"/>
+              </a:p>
+            </p:txBody>
+          </p:sp>
+          <p:sp>
+            <p:nvSpPr>
+              <p:cNvPr id="68" name="Rectangle 67">
+                <a:extLst>
+                  <a:ext uri="{FF2B5EF4-FFF2-40B4-BE49-F238E27FC236}">
+                    <a16:creationId xmlns:a16="http://schemas.microsoft.com/office/drawing/2014/main" id="{39FBD4E7-F618-0F4B-A3F2-27851ED09F4A}"/>
+                  </a:ext>
+                </a:extLst>
+              </p:cNvPr>
+              <p:cNvSpPr/>
+              <p:nvPr/>
+            </p:nvSpPr>
+            <p:spPr>
+              <a:xfrm>
+                <a:off x="5473533" y="3420340"/>
+                <a:ext cx="122820" cy="108064"/>
+              </a:xfrm>
+              <a:prstGeom prst="rect">
+                <a:avLst/>
+              </a:prstGeom>
+              <a:solidFill>
+                <a:srgbClr val="92D050"/>
+              </a:solidFill>
+              <a:ln w="25400"/>
+              <a:effectLst/>
+            </p:spPr>
+            <p:style>
+              <a:lnRef idx="3">
+                <a:schemeClr val="lt1"/>
+              </a:lnRef>
+              <a:fillRef idx="1">
+                <a:schemeClr val="dk1"/>
+              </a:fillRef>
+              <a:effectRef idx="1">
+                <a:schemeClr val="dk1"/>
+              </a:effectRef>
+              <a:fontRef idx="minor">
+                <a:schemeClr val="lt1"/>
+              </a:fontRef>
+            </p:style>
+            <p:txBody>
+              <a:bodyPr rot="0" spcFirstLastPara="0" vertOverflow="overflow" horzOverflow="overflow" vert="horz" wrap="square" lIns="68580" tIns="34290" rIns="68580" bIns="34290" numCol="1" spcCol="0" rtlCol="0" fromWordArt="0" anchor="ctr" anchorCtr="0" forceAA="0" compatLnSpc="1">
+                <a:prstTxWarp prst="textNoShape">
+                  <a:avLst/>
+                </a:prstTxWarp>
+                <a:noAutofit/>
+              </a:bodyPr>
+              <a:lstStyle/>
+              <a:p>
+                <a:pPr algn="ctr"/>
+                <a:endParaRPr lang="en-US" sz="800" dirty="0"/>
+              </a:p>
+            </p:txBody>
+          </p:sp>
+          <p:sp>
+            <p:nvSpPr>
+              <p:cNvPr id="69" name="Rectangle 68">
+                <a:extLst>
+                  <a:ext uri="{FF2B5EF4-FFF2-40B4-BE49-F238E27FC236}">
+                    <a16:creationId xmlns:a16="http://schemas.microsoft.com/office/drawing/2014/main" id="{56BA64B5-7047-8C43-8E63-401A44497962}"/>
+                  </a:ext>
+                </a:extLst>
+              </p:cNvPr>
+              <p:cNvSpPr/>
+              <p:nvPr/>
+            </p:nvSpPr>
+            <p:spPr>
+              <a:xfrm>
+                <a:off x="5596354" y="3420340"/>
+                <a:ext cx="122820" cy="108064"/>
+              </a:xfrm>
+              <a:prstGeom prst="rect">
+                <a:avLst/>
+              </a:prstGeom>
+              <a:solidFill>
+                <a:srgbClr val="00B0F0"/>
+              </a:solidFill>
+              <a:ln w="25400"/>
+              <a:effectLst/>
+            </p:spPr>
+            <p:style>
+              <a:lnRef idx="3">
+                <a:schemeClr val="lt1"/>
+              </a:lnRef>
+              <a:fillRef idx="1">
+                <a:schemeClr val="dk1"/>
+              </a:fillRef>
+              <a:effectRef idx="1">
+                <a:schemeClr val="dk1"/>
+              </a:effectRef>
+              <a:fontRef idx="minor">
+                <a:schemeClr val="lt1"/>
+              </a:fontRef>
+            </p:style>
+            <p:txBody>
+              <a:bodyPr rot="0" spcFirstLastPara="0" vertOverflow="overflow" horzOverflow="overflow" vert="horz" wrap="square" lIns="68580" tIns="34290" rIns="68580" bIns="34290" numCol="1" spcCol="0" rtlCol="0" fromWordArt="0" anchor="ctr" anchorCtr="0" forceAA="0" compatLnSpc="1">
+                <a:prstTxWarp prst="textNoShape">
+                  <a:avLst/>
+                </a:prstTxWarp>
+                <a:noAutofit/>
+              </a:bodyPr>
+              <a:lstStyle/>
+              <a:p>
+                <a:pPr algn="ctr"/>
+                <a:endParaRPr lang="en-US" sz="800" dirty="0"/>
+              </a:p>
+            </p:txBody>
+          </p:sp>
+        </p:grpSp>
+        <p:grpSp>
+          <p:nvGrpSpPr>
+            <p:cNvPr id="60" name="Group 59">
+              <a:extLst>
+                <a:ext uri="{FF2B5EF4-FFF2-40B4-BE49-F238E27FC236}">
+                  <a16:creationId xmlns:a16="http://schemas.microsoft.com/office/drawing/2014/main" id="{1D16B802-60E5-1248-85DD-E32FF4F3F483}"/>
+                </a:ext>
+              </a:extLst>
+            </p:cNvPr>
+            <p:cNvGrpSpPr/>
+            <p:nvPr/>
+          </p:nvGrpSpPr>
+          <p:grpSpPr>
+            <a:xfrm>
+              <a:off x="5282319" y="2831352"/>
+              <a:ext cx="825222" cy="318666"/>
+              <a:chOff x="5294033" y="2830488"/>
+              <a:chExt cx="825222" cy="318666"/>
+            </a:xfrm>
+          </p:grpSpPr>
+          <p:sp>
+            <p:nvSpPr>
+              <p:cNvPr id="62" name="Rectangle 61">
+                <a:extLst>
+                  <a:ext uri="{FF2B5EF4-FFF2-40B4-BE49-F238E27FC236}">
+                    <a16:creationId xmlns:a16="http://schemas.microsoft.com/office/drawing/2014/main" id="{24F96731-56CC-DD43-9B2E-6FF18A9C60BD}"/>
+                  </a:ext>
+                </a:extLst>
+              </p:cNvPr>
+              <p:cNvSpPr/>
+              <p:nvPr/>
+            </p:nvSpPr>
+            <p:spPr>
+              <a:xfrm>
+                <a:off x="5294033" y="2830488"/>
+                <a:ext cx="807333" cy="318666"/>
+              </a:xfrm>
+              <a:prstGeom prst="rect">
+                <a:avLst/>
+              </a:prstGeom>
+              <a:solidFill>
+                <a:schemeClr val="tx1"/>
+              </a:solidFill>
+              <a:ln w="25400"/>
+              <a:effectLst>
+                <a:outerShdw blurRad="50800" dist="38100" dir="2700000" algn="tl" rotWithShape="0">
+                  <a:prstClr val="black">
+                    <a:alpha val="40000"/>
+                  </a:prstClr>
+                </a:outerShdw>
+              </a:effectLst>
+            </p:spPr>
+            <p:style>
+              <a:lnRef idx="3">
+                <a:schemeClr val="lt1"/>
+              </a:lnRef>
+              <a:fillRef idx="1">
+                <a:schemeClr val="dk1"/>
+              </a:fillRef>
+              <a:effectRef idx="1">
+                <a:schemeClr val="dk1"/>
+              </a:effectRef>
+              <a:fontRef idx="minor">
+                <a:schemeClr val="lt1"/>
+              </a:fontRef>
+            </p:style>
+            <p:txBody>
+              <a:bodyPr rot="0" spcFirstLastPara="0" vertOverflow="overflow" horzOverflow="overflow" vert="horz" wrap="square" lIns="0" tIns="34290" rIns="68580" bIns="34290" numCol="1" spcCol="0" rtlCol="0" fromWordArt="0" anchor="ctr" anchorCtr="0" forceAA="0" compatLnSpc="1">
+                <a:prstTxWarp prst="textNoShape">
+                  <a:avLst/>
+                </a:prstTxWarp>
+                <a:noAutofit/>
+              </a:bodyPr>
+              <a:lstStyle/>
+              <a:p>
+                <a:pPr algn="ctr"/>
+                <a:r>
+                  <a:rPr lang="en-US" sz="800" dirty="0"/>
+                  <a:t>World</a:t>
+                </a:r>
+                <a:br>
+                  <a:rPr lang="en-US" sz="800" dirty="0"/>
+                </a:br>
+                <a:r>
+                  <a:rPr lang="en-US" sz="800" dirty="0"/>
+                  <a:t>State</a:t>
+                </a:r>
+              </a:p>
+            </p:txBody>
+          </p:sp>
+          <p:pic>
+            <p:nvPicPr>
+              <p:cNvPr id="63" name="Graphic 62" descr="Database">
+                <a:extLst>
+                  <a:ext uri="{FF2B5EF4-FFF2-40B4-BE49-F238E27FC236}">
+                    <a16:creationId xmlns:a16="http://schemas.microsoft.com/office/drawing/2014/main" id="{2BD903B6-FF44-A14C-A948-975908B1D3F9}"/>
+                  </a:ext>
+                </a:extLst>
+              </p:cNvPr>
+              <p:cNvPicPr>
+                <a:picLocks noChangeAspect="1"/>
+              </p:cNvPicPr>
+              <p:nvPr/>
+            </p:nvPicPr>
+            <p:blipFill>
+              <a:blip r:embed="rId2">
+                <a:extLst>
+                  <a:ext uri="{96DAC541-7B7A-43D3-8B79-37D633B846F1}">
+                    <asvg:svgBlip xmlns:asvg="http://schemas.microsoft.com/office/drawing/2016/SVG/main" r:embed="rId3"/>
+                  </a:ext>
+                </a:extLst>
+              </a:blip>
+              <a:stretch>
+                <a:fillRect/>
+              </a:stretch>
+            </p:blipFill>
+            <p:spPr>
+              <a:xfrm>
+                <a:off x="5823418" y="2872393"/>
+                <a:ext cx="242169" cy="242168"/>
+              </a:xfrm>
+              <a:prstGeom prst="rect">
+                <a:avLst/>
+              </a:prstGeom>
+            </p:spPr>
+          </p:pic>
+          <p:pic>
+            <p:nvPicPr>
+              <p:cNvPr id="64" name="Graphic 63" descr="Lock">
+                <a:extLst>
+                  <a:ext uri="{FF2B5EF4-FFF2-40B4-BE49-F238E27FC236}">
+                    <a16:creationId xmlns:a16="http://schemas.microsoft.com/office/drawing/2014/main" id="{08D32B78-0E40-044E-82B4-53BDCA5AA082}"/>
+                  </a:ext>
+                </a:extLst>
+              </p:cNvPr>
+              <p:cNvPicPr>
+                <a:picLocks noChangeAspect="1"/>
+              </p:cNvPicPr>
+              <p:nvPr/>
+            </p:nvPicPr>
+            <p:blipFill>
+              <a:blip r:embed="rId4" cstate="print">
+                <a:extLst>
+                  <a:ext uri="{28A0092B-C50C-407E-A947-70E740481C1C}">
+                    <a14:useLocalDpi xmlns:a14="http://schemas.microsoft.com/office/drawing/2010/main" val="0"/>
+                  </a:ext>
+                  <a:ext uri="{96DAC541-7B7A-43D3-8B79-37D633B846F1}">
+                    <asvg:svgBlip xmlns:asvg="http://schemas.microsoft.com/office/drawing/2016/SVG/main" r:embed="rId5"/>
+                  </a:ext>
+                </a:extLst>
+              </a:blip>
+              <a:stretch>
+                <a:fillRect/>
+              </a:stretch>
+            </p:blipFill>
+            <p:spPr>
+              <a:xfrm>
+                <a:off x="5913418" y="2930670"/>
+                <a:ext cx="205837" cy="205837"/>
+              </a:xfrm>
+              <a:prstGeom prst="rect">
+                <a:avLst/>
+              </a:prstGeom>
+            </p:spPr>
+          </p:pic>
+        </p:grpSp>
+      </p:grpSp>
+      <p:grpSp>
+        <p:nvGrpSpPr>
+          <p:cNvPr id="14" name="Group 13">
+            <a:extLst>
+              <a:ext uri="{FF2B5EF4-FFF2-40B4-BE49-F238E27FC236}">
+                <a16:creationId xmlns:a16="http://schemas.microsoft.com/office/drawing/2014/main" id="{0B800804-5769-204B-8634-46973ED8E904}"/>
+              </a:ext>
+            </a:extLst>
+          </p:cNvPr>
+          <p:cNvGrpSpPr/>
+          <p:nvPr/>
+        </p:nvGrpSpPr>
+        <p:grpSpPr>
+          <a:xfrm>
+            <a:off x="2274893" y="3073516"/>
+            <a:ext cx="1332434" cy="652156"/>
+            <a:chOff x="514611" y="1270782"/>
+            <a:chExt cx="1332434" cy="652156"/>
+          </a:xfrm>
+        </p:grpSpPr>
+        <p:pic>
+          <p:nvPicPr>
+            <p:cNvPr id="72" name="pasted-image.png">
+              <a:extLst>
+                <a:ext uri="{FF2B5EF4-FFF2-40B4-BE49-F238E27FC236}">
+                  <a16:creationId xmlns:a16="http://schemas.microsoft.com/office/drawing/2014/main" id="{CE697768-6823-7545-B44C-DB45A9E789F3}"/>
+                </a:ext>
+              </a:extLst>
+            </p:cNvPr>
+            <p:cNvPicPr>
+              <a:picLocks noChangeAspect="1"/>
+            </p:cNvPicPr>
+            <p:nvPr/>
+          </p:nvPicPr>
+          <p:blipFill rotWithShape="1">
+            <a:blip r:embed="rId6"/>
+            <a:srcRect t="-8233" b="-1"/>
+            <a:stretch/>
+          </p:blipFill>
+          <p:spPr>
+            <a:xfrm>
+              <a:off x="514611" y="1313661"/>
+              <a:ext cx="562929" cy="609277"/>
+            </a:xfrm>
+            <a:prstGeom prst="rect">
+              <a:avLst/>
+            </a:prstGeom>
+            <a:ln w="3175" cap="flat">
+              <a:noFill/>
+              <a:miter lim="400000"/>
+            </a:ln>
+            <a:effectLst/>
+          </p:spPr>
+        </p:pic>
+        <p:sp>
+          <p:nvSpPr>
+            <p:cNvPr id="73" name="Rectangle 72">
+              <a:extLst>
+                <a:ext uri="{FF2B5EF4-FFF2-40B4-BE49-F238E27FC236}">
+                  <a16:creationId xmlns:a16="http://schemas.microsoft.com/office/drawing/2014/main" id="{DAE3CFB7-F2D0-8B48-90FC-CA01A1D9F4C9}"/>
+                </a:ext>
+              </a:extLst>
+            </p:cNvPr>
+            <p:cNvSpPr/>
+            <p:nvPr/>
+          </p:nvSpPr>
+          <p:spPr>
+            <a:xfrm>
+              <a:off x="1034944" y="1270782"/>
+              <a:ext cx="812101" cy="318666"/>
+            </a:xfrm>
+            <a:prstGeom prst="rect">
+              <a:avLst/>
+            </a:prstGeom>
+            <a:solidFill>
+              <a:schemeClr val="bg2"/>
+            </a:solidFill>
+            <a:ln w="25400"/>
+            <a:effectLst>
+              <a:outerShdw blurRad="50800" dist="38100" dir="2700000" algn="tl" rotWithShape="0">
+                <a:prstClr val="black">
+                  <a:alpha val="40000"/>
+                </a:prstClr>
+              </a:outerShdw>
+            </a:effectLst>
+          </p:spPr>
+          <p:style>
+            <a:lnRef idx="3">
+              <a:schemeClr val="lt1"/>
+            </a:lnRef>
+            <a:fillRef idx="1">
+              <a:schemeClr val="dk1"/>
+            </a:fillRef>
+            <a:effectRef idx="1">
+              <a:schemeClr val="dk1"/>
+            </a:effectRef>
+            <a:fontRef idx="minor">
+              <a:schemeClr val="lt1"/>
+            </a:fontRef>
+          </p:style>
+          <p:txBody>
+            <a:bodyPr rot="0" spcFirstLastPara="0" vertOverflow="overflow" horzOverflow="overflow" vert="horz" wrap="square" lIns="72000" tIns="72000" rIns="68580" bIns="34290" numCol="1" spcCol="0" rtlCol="0" fromWordArt="0" anchor="ctr" anchorCtr="0" forceAA="0" compatLnSpc="1">
+              <a:prstTxWarp prst="textNoShape">
+                <a:avLst/>
+              </a:prstTxWarp>
+              <a:noAutofit/>
+            </a:bodyPr>
+            <a:lstStyle/>
+            <a:p>
+              <a:pPr algn="ctr"/>
+              <a:r>
+                <a:rPr lang="en-US" sz="800" dirty="0"/>
+                <a:t>FPC</a:t>
+              </a:r>
+              <a:br>
+                <a:rPr lang="en-US" sz="800" dirty="0"/>
+              </a:br>
+              <a:r>
+                <a:rPr lang="en-US" sz="800" dirty="0"/>
+                <a:t>Client SDK</a:t>
+              </a:r>
+            </a:p>
+          </p:txBody>
+        </p:sp>
+        <p:sp>
+          <p:nvSpPr>
+            <p:cNvPr id="74" name="Rectangle 73">
+              <a:extLst>
+                <a:ext uri="{FF2B5EF4-FFF2-40B4-BE49-F238E27FC236}">
+                  <a16:creationId xmlns:a16="http://schemas.microsoft.com/office/drawing/2014/main" id="{87949B1B-2069-D140-B17D-F34E89DA37F2}"/>
+                </a:ext>
+              </a:extLst>
+            </p:cNvPr>
+            <p:cNvSpPr/>
+            <p:nvPr/>
+          </p:nvSpPr>
+          <p:spPr>
+            <a:xfrm>
+              <a:off x="1034944" y="1593913"/>
+              <a:ext cx="812101" cy="314923"/>
+            </a:xfrm>
+            <a:prstGeom prst="rect">
+              <a:avLst/>
+            </a:prstGeom>
+            <a:solidFill>
+              <a:schemeClr val="bg2"/>
+            </a:solidFill>
+            <a:ln w="25400"/>
+            <a:effectLst>
+              <a:outerShdw blurRad="50800" dist="38100" dir="2700000" algn="tl" rotWithShape="0">
+                <a:prstClr val="black">
+                  <a:alpha val="40000"/>
+                </a:prstClr>
+              </a:outerShdw>
+            </a:effectLst>
+          </p:spPr>
+          <p:style>
+            <a:lnRef idx="3">
+              <a:schemeClr val="lt1"/>
+            </a:lnRef>
+            <a:fillRef idx="1">
+              <a:schemeClr val="dk1"/>
+            </a:fillRef>
+            <a:effectRef idx="1">
+              <a:schemeClr val="dk1"/>
+            </a:effectRef>
+            <a:fontRef idx="minor">
+              <a:schemeClr val="lt1"/>
+            </a:fontRef>
+          </p:style>
+          <p:txBody>
+            <a:bodyPr rot="0" spcFirstLastPara="0" vertOverflow="overflow" horzOverflow="overflow" vert="horz" wrap="square" lIns="72000" tIns="72000" rIns="68580" bIns="34290" numCol="1" spcCol="0" rtlCol="0" fromWordArt="0" anchor="ctr" anchorCtr="0" forceAA="0" compatLnSpc="1">
+              <a:prstTxWarp prst="textNoShape">
+                <a:avLst/>
+              </a:prstTxWarp>
+              <a:noAutofit/>
+            </a:bodyPr>
+            <a:lstStyle/>
+            <a:p>
+              <a:pPr algn="ctr"/>
+              <a:r>
+                <a:rPr lang="en-US" sz="800" dirty="0"/>
+                <a:t>Admin</a:t>
+              </a:r>
+            </a:p>
+          </p:txBody>
+        </p:sp>
+      </p:grpSp>
+      <p:grpSp>
+        <p:nvGrpSpPr>
+          <p:cNvPr id="8" name="Group 7">
+            <a:extLst>
+              <a:ext uri="{FF2B5EF4-FFF2-40B4-BE49-F238E27FC236}">
+                <a16:creationId xmlns:a16="http://schemas.microsoft.com/office/drawing/2014/main" id="{D49A6955-EBC0-2F4A-AFBD-E410354DCF76}"/>
+              </a:ext>
+            </a:extLst>
+          </p:cNvPr>
+          <p:cNvGrpSpPr/>
+          <p:nvPr/>
+        </p:nvGrpSpPr>
+        <p:grpSpPr>
+          <a:xfrm>
+            <a:off x="6581480" y="1104882"/>
+            <a:ext cx="1260726" cy="559254"/>
+            <a:chOff x="4668126" y="648289"/>
+            <a:chExt cx="1685746" cy="747792"/>
+          </a:xfrm>
+          <a:effectLst>
+            <a:outerShdw blurRad="50800" dist="38100" dir="2700000" algn="tl" rotWithShape="0">
+              <a:prstClr val="black">
+                <a:alpha val="40000"/>
+              </a:prstClr>
+            </a:outerShdw>
+          </a:effectLst>
+        </p:grpSpPr>
+        <p:sp>
+          <p:nvSpPr>
+            <p:cNvPr id="37" name="Rectangle 36">
+              <a:extLst>
+                <a:ext uri="{FF2B5EF4-FFF2-40B4-BE49-F238E27FC236}">
+                  <a16:creationId xmlns:a16="http://schemas.microsoft.com/office/drawing/2014/main" id="{97E2F858-B94B-7440-8E6A-AA96C9A12A08}"/>
+                </a:ext>
+              </a:extLst>
+            </p:cNvPr>
+            <p:cNvSpPr/>
+            <p:nvPr/>
+          </p:nvSpPr>
+          <p:spPr>
+            <a:xfrm>
+              <a:off x="4803860" y="648289"/>
+              <a:ext cx="1550012" cy="625830"/>
+            </a:xfrm>
+            <a:prstGeom prst="rect">
+              <a:avLst/>
+            </a:prstGeom>
+            <a:solidFill>
+              <a:srgbClr val="92D050"/>
+            </a:solidFill>
+            <a:ln>
+              <a:solidFill>
+                <a:schemeClr val="tx2"/>
+              </a:solidFill>
+            </a:ln>
+          </p:spPr>
+          <p:style>
+            <a:lnRef idx="2">
+              <a:schemeClr val="dk1"/>
+            </a:lnRef>
+            <a:fillRef idx="1">
+              <a:schemeClr val="lt1"/>
+            </a:fillRef>
+            <a:effectRef idx="0">
+              <a:schemeClr val="dk1"/>
+            </a:effectRef>
+            <a:fontRef idx="minor">
+              <a:schemeClr val="dk1"/>
+            </a:fontRef>
+          </p:style>
+          <p:txBody>
+            <a:bodyPr rot="0" spcFirstLastPara="0" vertOverflow="overflow" horzOverflow="overflow" vert="horz" wrap="square" lIns="36000" tIns="34290" rIns="36000" bIns="34290" numCol="1" spcCol="0" rtlCol="0" fromWordArt="0" anchor="ctr" anchorCtr="0" forceAA="0" compatLnSpc="1">
+              <a:prstTxWarp prst="textNoShape">
+                <a:avLst/>
+              </a:prstTxWarp>
+              <a:noAutofit/>
+            </a:bodyPr>
+            <a:lstStyle/>
+            <a:p>
+              <a:pPr algn="ctr"/>
+              <a:r>
+                <a:rPr lang="en-US" sz="1000" dirty="0">
+                  <a:solidFill>
+                    <a:schemeClr val="tx2"/>
+                  </a:solidFill>
+                  <a:ea typeface="Helvetica Neue" panose="02000503000000020004" pitchFamily="2" charset="0"/>
+                  <a:cs typeface="Helvetica Neue" panose="02000503000000020004" pitchFamily="2" charset="0"/>
+                </a:rPr>
+                <a:t>Ordering service</a:t>
+              </a:r>
+            </a:p>
+          </p:txBody>
+        </p:sp>
+        <p:sp>
+          <p:nvSpPr>
+            <p:cNvPr id="38" name="Rectangle 37">
+              <a:extLst>
+                <a:ext uri="{FF2B5EF4-FFF2-40B4-BE49-F238E27FC236}">
+                  <a16:creationId xmlns:a16="http://schemas.microsoft.com/office/drawing/2014/main" id="{665CA5FC-B1B7-3B46-88AB-6F97D0286692}"/>
+                </a:ext>
+              </a:extLst>
+            </p:cNvPr>
+            <p:cNvSpPr/>
+            <p:nvPr/>
+          </p:nvSpPr>
+          <p:spPr>
+            <a:xfrm>
+              <a:off x="4735993" y="709270"/>
+              <a:ext cx="1550012" cy="625830"/>
+            </a:xfrm>
+            <a:prstGeom prst="rect">
+              <a:avLst/>
+            </a:prstGeom>
+            <a:solidFill>
+              <a:srgbClr val="92D050"/>
+            </a:solidFill>
+            <a:ln>
+              <a:solidFill>
+                <a:schemeClr val="tx2"/>
+              </a:solidFill>
+            </a:ln>
+          </p:spPr>
+          <p:style>
+            <a:lnRef idx="2">
+              <a:schemeClr val="dk1"/>
+            </a:lnRef>
+            <a:fillRef idx="1">
+              <a:schemeClr val="lt1"/>
+            </a:fillRef>
+            <a:effectRef idx="0">
+              <a:schemeClr val="dk1"/>
+            </a:effectRef>
+            <a:fontRef idx="minor">
+              <a:schemeClr val="dk1"/>
+            </a:fontRef>
+          </p:style>
+          <p:txBody>
+            <a:bodyPr rot="0" spcFirstLastPara="0" vertOverflow="overflow" horzOverflow="overflow" vert="horz" wrap="square" lIns="36000" tIns="34290" rIns="36000" bIns="34290" numCol="1" spcCol="0" rtlCol="0" fromWordArt="0" anchor="ctr" anchorCtr="0" forceAA="0" compatLnSpc="1">
+              <a:prstTxWarp prst="textNoShape">
+                <a:avLst/>
+              </a:prstTxWarp>
+              <a:noAutofit/>
+            </a:bodyPr>
+            <a:lstStyle/>
+            <a:p>
+              <a:pPr algn="ctr"/>
+              <a:r>
+                <a:rPr lang="en-US" sz="1000" dirty="0">
+                  <a:solidFill>
+                    <a:schemeClr val="tx2"/>
+                  </a:solidFill>
+                  <a:ea typeface="Helvetica Neue" panose="02000503000000020004" pitchFamily="2" charset="0"/>
+                  <a:cs typeface="Helvetica Neue" panose="02000503000000020004" pitchFamily="2" charset="0"/>
+                </a:rPr>
+                <a:t>Ordering service</a:t>
+              </a:r>
+            </a:p>
+          </p:txBody>
+        </p:sp>
+        <p:sp>
+          <p:nvSpPr>
+            <p:cNvPr id="39" name="Rectangle 38">
+              <a:extLst>
+                <a:ext uri="{FF2B5EF4-FFF2-40B4-BE49-F238E27FC236}">
+                  <a16:creationId xmlns:a16="http://schemas.microsoft.com/office/drawing/2014/main" id="{B386FE05-4341-1A42-BDCE-C70F6AD78A53}"/>
+                </a:ext>
+              </a:extLst>
+            </p:cNvPr>
+            <p:cNvSpPr/>
+            <p:nvPr/>
+          </p:nvSpPr>
+          <p:spPr>
+            <a:xfrm>
+              <a:off x="4668126" y="770251"/>
+              <a:ext cx="1550012" cy="625830"/>
+            </a:xfrm>
+            <a:prstGeom prst="rect">
+              <a:avLst/>
+            </a:prstGeom>
+            <a:solidFill>
+              <a:srgbClr val="92D050"/>
+            </a:solidFill>
+            <a:ln>
+              <a:solidFill>
+                <a:schemeClr val="tx2"/>
+              </a:solidFill>
+            </a:ln>
+          </p:spPr>
+          <p:style>
+            <a:lnRef idx="2">
+              <a:schemeClr val="dk1"/>
+            </a:lnRef>
+            <a:fillRef idx="1">
+              <a:schemeClr val="lt1"/>
+            </a:fillRef>
+            <a:effectRef idx="0">
+              <a:schemeClr val="dk1"/>
+            </a:effectRef>
+            <a:fontRef idx="minor">
+              <a:schemeClr val="dk1"/>
+            </a:fontRef>
+          </p:style>
+          <p:txBody>
+            <a:bodyPr rot="0" spcFirstLastPara="0" vertOverflow="overflow" horzOverflow="overflow" vert="horz" wrap="square" lIns="36000" tIns="34290" rIns="36000" bIns="34290" numCol="1" spcCol="0" rtlCol="0" fromWordArt="0" anchor="ctr" anchorCtr="0" forceAA="0" compatLnSpc="1">
+              <a:prstTxWarp prst="textNoShape">
+                <a:avLst/>
+              </a:prstTxWarp>
+              <a:noAutofit/>
+            </a:bodyPr>
+            <a:lstStyle/>
+            <a:p>
+              <a:pPr algn="ctr"/>
+              <a:r>
+                <a:rPr lang="en-US" sz="800" dirty="0">
+                  <a:solidFill>
+                    <a:schemeClr val="tx2"/>
+                  </a:solidFill>
+                  <a:ea typeface="Helvetica Neue" panose="02000503000000020004" pitchFamily="2" charset="0"/>
+                  <a:cs typeface="Helvetica Neue" panose="02000503000000020004" pitchFamily="2" charset="0"/>
+                </a:rPr>
+                <a:t>Ordering service</a:t>
+              </a:r>
+            </a:p>
+          </p:txBody>
+        </p:sp>
+      </p:grpSp>
+      <p:sp>
+        <p:nvSpPr>
+          <p:cNvPr id="75" name="Rounded Rectangular Callout 74">
+            <a:extLst>
+              <a:ext uri="{FF2B5EF4-FFF2-40B4-BE49-F238E27FC236}">
+                <a16:creationId xmlns:a16="http://schemas.microsoft.com/office/drawing/2014/main" id="{B206CA69-85E1-7849-96A3-FC799E4959EB}"/>
+              </a:ext>
+            </a:extLst>
+          </p:cNvPr>
+          <p:cNvSpPr/>
+          <p:nvPr/>
+        </p:nvSpPr>
+        <p:spPr bwMode="auto">
+          <a:xfrm>
+            <a:off x="5286332" y="1760150"/>
+            <a:ext cx="2643548" cy="514746"/>
+          </a:xfrm>
+          <a:prstGeom prst="wedgeRoundRectCallout">
+            <a:avLst>
+              <a:gd name="adj1" fmla="val -20199"/>
+              <a:gd name="adj2" fmla="val 108550"/>
+              <a:gd name="adj3" fmla="val 16667"/>
+            </a:avLst>
+          </a:prstGeom>
+          <a:solidFill>
+            <a:schemeClr val="lt1">
+              <a:alpha val="95000"/>
+            </a:schemeClr>
+          </a:solidFill>
+          <a:ln w="12700">
+            <a:headEnd type="none" w="med" len="med"/>
+            <a:tailEnd type="none" w="med" len="med"/>
+          </a:ln>
+        </p:spPr>
+        <p:style>
+          <a:lnRef idx="2">
+            <a:schemeClr val="accent1"/>
+          </a:lnRef>
+          <a:fillRef idx="1">
+            <a:schemeClr val="lt1"/>
+          </a:fillRef>
+          <a:effectRef idx="0">
+            <a:schemeClr val="accent1"/>
+          </a:effectRef>
+          <a:fontRef idx="minor">
+            <a:schemeClr val="dk1"/>
+          </a:fontRef>
+        </p:style>
+        <p:txBody>
+          <a:bodyPr vert="horz" wrap="square" lIns="36000" tIns="36000" rIns="36000" bIns="36000" numCol="1" rtlCol="0" anchor="t" anchorCtr="0" compatLnSpc="1">
+            <a:prstTxWarp prst="textNoShape">
+              <a:avLst/>
+            </a:prstTxWarp>
+          </a:bodyPr>
+          <a:lstStyle/>
+          <a:p>
+            <a:r>
+              <a:rPr lang="en-US" sz="800" dirty="0"/>
+              <a:t>16</a:t>
+            </a:r>
+            <a:r>
+              <a:rPr lang="en-CH" sz="800" dirty="0"/>
+              <a:t>.</a:t>
+            </a:r>
+            <a:r>
+              <a:rPr lang="en-US" sz="800" dirty="0"/>
+              <a:t> generate </a:t>
+            </a:r>
+            <a:r>
+              <a:rPr lang="en-US" sz="800" dirty="0" err="1"/>
+              <a:t>chaincode</a:t>
+            </a:r>
+            <a:r>
+              <a:rPr lang="en-US" sz="800" dirty="0"/>
+              <a:t> encryption key-pair &amp;</a:t>
+            </a:r>
+          </a:p>
+          <a:p>
+            <a:pPr marL="164592"/>
+            <a:r>
+              <a:rPr lang="en-US" sz="800" dirty="0"/>
+              <a:t>state encryption key</a:t>
+            </a:r>
+            <a:r>
+              <a:rPr lang="en-CH" sz="800" dirty="0"/>
+              <a:t> </a:t>
+            </a:r>
+            <a:endParaRPr lang="en-US" sz="800" dirty="0"/>
+          </a:p>
+          <a:p>
+            <a:r>
+              <a:rPr lang="en-US" sz="800" dirty="0"/>
+              <a:t>17</a:t>
+            </a:r>
+            <a:r>
+              <a:rPr lang="en-CH" sz="800" dirty="0"/>
+              <a:t>. Return</a:t>
+            </a:r>
+            <a:r>
+              <a:rPr lang="en-US" sz="800" dirty="0"/>
+              <a:t> (signed) </a:t>
+            </a:r>
+            <a:r>
+              <a:rPr lang="en-US" sz="800" dirty="0" err="1"/>
+              <a:t>chaincode</a:t>
+            </a:r>
+            <a:r>
+              <a:rPr lang="en-US" sz="800" dirty="0"/>
+              <a:t> encryption public key EK</a:t>
+            </a:r>
+            <a:endParaRPr lang="en-CH" sz="800" dirty="0"/>
+          </a:p>
+        </p:txBody>
+      </p:sp>
+      <p:sp>
+        <p:nvSpPr>
+          <p:cNvPr id="76" name="Rounded Rectangular Callout 75">
+            <a:extLst>
+              <a:ext uri="{FF2B5EF4-FFF2-40B4-BE49-F238E27FC236}">
+                <a16:creationId xmlns:a16="http://schemas.microsoft.com/office/drawing/2014/main" id="{3EBFA0F0-B60B-B249-9EB8-AC4574DBF945}"/>
+              </a:ext>
+            </a:extLst>
+          </p:cNvPr>
+          <p:cNvSpPr/>
+          <p:nvPr/>
+        </p:nvSpPr>
+        <p:spPr bwMode="auto">
+          <a:xfrm>
+            <a:off x="6409654" y="3945431"/>
+            <a:ext cx="1183926" cy="370005"/>
+          </a:xfrm>
+          <a:prstGeom prst="wedgeRoundRectCallout">
+            <a:avLst>
+              <a:gd name="adj1" fmla="val -67979"/>
+              <a:gd name="adj2" fmla="val 33299"/>
+              <a:gd name="adj3" fmla="val 16667"/>
+            </a:avLst>
+          </a:prstGeom>
+          <a:solidFill>
+            <a:schemeClr val="lt1">
+              <a:alpha val="95000"/>
+            </a:schemeClr>
+          </a:solidFill>
+          <a:ln w="12700">
+            <a:headEnd type="none" w="med" len="med"/>
+            <a:tailEnd type="none" w="med" len="med"/>
+          </a:ln>
+        </p:spPr>
+        <p:style>
+          <a:lnRef idx="2">
+            <a:schemeClr val="accent1"/>
+          </a:lnRef>
+          <a:fillRef idx="1">
+            <a:schemeClr val="lt1"/>
+          </a:fillRef>
+          <a:effectRef idx="0">
+            <a:schemeClr val="accent1"/>
+          </a:effectRef>
+          <a:fontRef idx="minor">
+            <a:schemeClr val="dk1"/>
+          </a:fontRef>
+        </p:style>
+        <p:txBody>
+          <a:bodyPr vert="horz" wrap="square" lIns="36000" tIns="36000" rIns="36000" bIns="36000" numCol="1" rtlCol="0" anchor="t" anchorCtr="0" compatLnSpc="1">
+            <a:prstTxWarp prst="textNoShape">
+              <a:avLst/>
+            </a:prstTxWarp>
+          </a:bodyPr>
+          <a:lstStyle/>
+          <a:p>
+            <a:r>
+              <a:rPr lang="en-US" sz="800" dirty="0"/>
+              <a:t>18. Verify signature</a:t>
+            </a:r>
+          </a:p>
+          <a:p>
+            <a:r>
+              <a:rPr lang="en-US" sz="800" dirty="0"/>
+              <a:t>19. Store EK</a:t>
+            </a:r>
+            <a:endParaRPr lang="en-CH" sz="800" dirty="0"/>
+          </a:p>
+        </p:txBody>
+      </p:sp>
+      <p:sp>
+        <p:nvSpPr>
+          <p:cNvPr id="77" name="Rounded Rectangular Callout 76">
+            <a:extLst>
+              <a:ext uri="{FF2B5EF4-FFF2-40B4-BE49-F238E27FC236}">
+                <a16:creationId xmlns:a16="http://schemas.microsoft.com/office/drawing/2014/main" id="{574E20AE-0FC7-B144-8066-3079CE69CCCD}"/>
+              </a:ext>
+            </a:extLst>
+          </p:cNvPr>
+          <p:cNvSpPr/>
+          <p:nvPr/>
+        </p:nvSpPr>
+        <p:spPr bwMode="auto">
+          <a:xfrm>
+            <a:off x="2400969" y="3815627"/>
+            <a:ext cx="812102" cy="254978"/>
+          </a:xfrm>
+          <a:prstGeom prst="wedgeRoundRectCallout">
+            <a:avLst>
+              <a:gd name="adj1" fmla="val 34351"/>
+              <a:gd name="adj2" fmla="val -105169"/>
+              <a:gd name="adj3" fmla="val 16667"/>
+            </a:avLst>
+          </a:prstGeom>
+          <a:solidFill>
+            <a:schemeClr val="lt1">
+              <a:alpha val="95000"/>
+            </a:schemeClr>
+          </a:solidFill>
+          <a:ln w="12700">
+            <a:headEnd type="none" w="med" len="med"/>
+            <a:tailEnd type="none" w="med" len="med"/>
+          </a:ln>
+        </p:spPr>
+        <p:style>
+          <a:lnRef idx="2">
+            <a:schemeClr val="accent1"/>
+          </a:lnRef>
+          <a:fillRef idx="1">
+            <a:schemeClr val="lt1"/>
+          </a:fillRef>
+          <a:effectRef idx="0">
+            <a:schemeClr val="accent1"/>
+          </a:effectRef>
+          <a:fontRef idx="minor">
+            <a:schemeClr val="dk1"/>
+          </a:fontRef>
+        </p:style>
+        <p:txBody>
+          <a:bodyPr vert="horz" wrap="square" lIns="36000" tIns="36000" rIns="36000" bIns="36000" numCol="1" rtlCol="0" anchor="ctr" anchorCtr="0" compatLnSpc="1">
+            <a:prstTxWarp prst="textNoShape">
+              <a:avLst/>
+            </a:prstTxWarp>
+          </a:bodyPr>
+          <a:lstStyle/>
+          <a:p>
+            <a:pPr algn="ctr"/>
+            <a:r>
+              <a:rPr lang="en-CH" sz="800" dirty="0">
+                <a:solidFill>
+                  <a:schemeClr val="tx1"/>
+                </a:solidFill>
+              </a:rPr>
+              <a:t>2. initEnclave</a:t>
+            </a:r>
+          </a:p>
+        </p:txBody>
+      </p:sp>
+      <p:sp>
+        <p:nvSpPr>
+          <p:cNvPr id="78" name="Rounded Rectangular Callout 77">
+            <a:extLst>
+              <a:ext uri="{FF2B5EF4-FFF2-40B4-BE49-F238E27FC236}">
+                <a16:creationId xmlns:a16="http://schemas.microsoft.com/office/drawing/2014/main" id="{271ED13A-F5EA-AE48-8F4C-D0CCEFC2CAC8}"/>
+              </a:ext>
+            </a:extLst>
+          </p:cNvPr>
+          <p:cNvSpPr/>
+          <p:nvPr/>
+        </p:nvSpPr>
+        <p:spPr bwMode="auto">
+          <a:xfrm>
+            <a:off x="2368103" y="2318674"/>
+            <a:ext cx="1505488" cy="254978"/>
+          </a:xfrm>
+          <a:prstGeom prst="wedgeRoundRectCallout">
+            <a:avLst>
+              <a:gd name="adj1" fmla="val 68837"/>
+              <a:gd name="adj2" fmla="val 300051"/>
+              <a:gd name="adj3" fmla="val 16667"/>
+            </a:avLst>
+          </a:prstGeom>
+          <a:solidFill>
+            <a:schemeClr val="lt1">
+              <a:alpha val="95000"/>
+            </a:schemeClr>
+          </a:solidFill>
+          <a:ln w="12700">
+            <a:headEnd type="none" w="med" len="med"/>
+            <a:tailEnd type="none" w="med" len="med"/>
+          </a:ln>
+        </p:spPr>
+        <p:style>
+          <a:lnRef idx="2">
+            <a:schemeClr val="accent1"/>
+          </a:lnRef>
+          <a:fillRef idx="1">
+            <a:schemeClr val="lt1"/>
+          </a:fillRef>
+          <a:effectRef idx="0">
+            <a:schemeClr val="accent1"/>
+          </a:effectRef>
+          <a:fontRef idx="minor">
+            <a:schemeClr val="dk1"/>
+          </a:fontRef>
+        </p:style>
+        <p:txBody>
+          <a:bodyPr vert="horz" wrap="square" lIns="36000" tIns="36000" rIns="36000" bIns="36000" numCol="1" rtlCol="0" anchor="ctr" anchorCtr="0" compatLnSpc="1">
+            <a:prstTxWarp prst="textNoShape">
+              <a:avLst/>
+            </a:prstTxWarp>
+          </a:bodyPr>
+          <a:lstStyle/>
+          <a:p>
+            <a:r>
+              <a:rPr lang="en-US" sz="800" dirty="0">
+                <a:solidFill>
+                  <a:schemeClr val="tx1"/>
+                </a:solidFill>
+              </a:rPr>
+              <a:t>15</a:t>
+            </a:r>
+            <a:r>
+              <a:rPr lang="en-CH" sz="800" dirty="0">
+                <a:solidFill>
+                  <a:schemeClr val="tx1"/>
+                </a:solidFill>
+              </a:rPr>
+              <a:t>. “Query” </a:t>
+            </a:r>
+            <a:r>
+              <a:rPr lang="en-US" sz="800" dirty="0" err="1">
+                <a:solidFill>
+                  <a:schemeClr val="tx1"/>
+                </a:solidFill>
+              </a:rPr>
+              <a:t>generateCCKeys</a:t>
+            </a:r>
+            <a:r>
+              <a:rPr lang="en-US" sz="800" dirty="0">
+                <a:solidFill>
+                  <a:schemeClr val="tx1"/>
+                </a:solidFill>
+              </a:rPr>
+              <a:t>(</a:t>
+            </a:r>
+            <a:r>
+              <a:rPr lang="en-CH" sz="800" dirty="0">
+                <a:solidFill>
+                  <a:schemeClr val="tx1"/>
+                </a:solidFill>
+              </a:rPr>
+              <a:t>)</a:t>
+            </a:r>
+          </a:p>
+        </p:txBody>
+      </p:sp>
+      <p:sp>
+        <p:nvSpPr>
+          <p:cNvPr id="80" name="Rounded Rectangular Callout 79">
+            <a:extLst>
+              <a:ext uri="{FF2B5EF4-FFF2-40B4-BE49-F238E27FC236}">
+                <a16:creationId xmlns:a16="http://schemas.microsoft.com/office/drawing/2014/main" id="{1DBF061C-C79F-8349-8113-1B7DCAE58A16}"/>
+              </a:ext>
+            </a:extLst>
+          </p:cNvPr>
+          <p:cNvSpPr/>
+          <p:nvPr/>
+        </p:nvSpPr>
+        <p:spPr bwMode="auto">
+          <a:xfrm>
+            <a:off x="2598465" y="4424866"/>
+            <a:ext cx="1736489" cy="254978"/>
+          </a:xfrm>
+          <a:prstGeom prst="wedgeRoundRectCallout">
+            <a:avLst>
+              <a:gd name="adj1" fmla="val 28396"/>
+              <a:gd name="adj2" fmla="val -337399"/>
+              <a:gd name="adj3" fmla="val 16667"/>
+            </a:avLst>
+          </a:prstGeom>
+          <a:solidFill>
+            <a:schemeClr val="lt1">
+              <a:alpha val="95000"/>
+            </a:schemeClr>
+          </a:solidFill>
+          <a:ln w="12700">
+            <a:headEnd type="none" w="med" len="med"/>
+            <a:tailEnd type="none" w="med" len="med"/>
+          </a:ln>
+        </p:spPr>
+        <p:style>
+          <a:lnRef idx="2">
+            <a:schemeClr val="accent1"/>
+          </a:lnRef>
+          <a:fillRef idx="1">
+            <a:schemeClr val="lt1"/>
+          </a:fillRef>
+          <a:effectRef idx="0">
+            <a:schemeClr val="accent1"/>
+          </a:effectRef>
+          <a:fontRef idx="minor">
+            <a:schemeClr val="dk1"/>
+          </a:fontRef>
+        </p:style>
+        <p:txBody>
+          <a:bodyPr vert="horz" wrap="square" lIns="36000" tIns="36000" rIns="36000" bIns="36000" numCol="1" rtlCol="0" anchor="ctr" anchorCtr="0" compatLnSpc="1">
+            <a:prstTxWarp prst="textNoShape">
+              <a:avLst/>
+            </a:prstTxWarp>
+          </a:bodyPr>
+          <a:lstStyle/>
+          <a:p>
+            <a:r>
+              <a:rPr lang="en-US" sz="800" dirty="0">
+                <a:solidFill>
+                  <a:schemeClr val="tx1"/>
+                </a:solidFill>
+              </a:rPr>
+              <a:t>20</a:t>
+            </a:r>
+            <a:r>
+              <a:rPr lang="en-CH" sz="800" dirty="0">
+                <a:solidFill>
+                  <a:schemeClr val="tx1"/>
+                </a:solidFill>
+              </a:rPr>
+              <a:t>. “Invoke” </a:t>
+            </a:r>
+            <a:r>
+              <a:rPr lang="en-US" sz="800" dirty="0" err="1">
+                <a:solidFill>
+                  <a:schemeClr val="tx1"/>
+                </a:solidFill>
+              </a:rPr>
+              <a:t>registerCCKeys</a:t>
+            </a:r>
+            <a:r>
+              <a:rPr lang="en-CH" sz="800" dirty="0">
+                <a:solidFill>
+                  <a:schemeClr val="tx1"/>
+                </a:solidFill>
+              </a:rPr>
+              <a:t>(</a:t>
+            </a:r>
+            <a:r>
+              <a:rPr lang="en-US" sz="800" dirty="0">
+                <a:solidFill>
+                  <a:schemeClr val="tx1"/>
+                </a:solidFill>
+              </a:rPr>
+              <a:t>EK</a:t>
+            </a:r>
+            <a:r>
+              <a:rPr lang="en-CH" sz="800" dirty="0">
+                <a:solidFill>
+                  <a:schemeClr val="tx1"/>
+                </a:solidFill>
+              </a:rPr>
+              <a:t>)</a:t>
+            </a:r>
+          </a:p>
+        </p:txBody>
+      </p:sp>
+      <p:sp>
+        <p:nvSpPr>
+          <p:cNvPr id="81" name="Rounded Rectangular Callout 80">
+            <a:extLst>
+              <a:ext uri="{FF2B5EF4-FFF2-40B4-BE49-F238E27FC236}">
+                <a16:creationId xmlns:a16="http://schemas.microsoft.com/office/drawing/2014/main" id="{5987331D-33F2-B749-80AB-5C14061B626A}"/>
+              </a:ext>
+            </a:extLst>
+          </p:cNvPr>
+          <p:cNvSpPr/>
+          <p:nvPr/>
+        </p:nvSpPr>
+        <p:spPr bwMode="auto">
+          <a:xfrm>
+            <a:off x="3048252" y="1001800"/>
+            <a:ext cx="1999455" cy="254978"/>
+          </a:xfrm>
+          <a:prstGeom prst="wedgeRoundRectCallout">
+            <a:avLst>
+              <a:gd name="adj1" fmla="val 36344"/>
+              <a:gd name="adj2" fmla="val 119964"/>
+              <a:gd name="adj3" fmla="val 16667"/>
+            </a:avLst>
+          </a:prstGeom>
+          <a:solidFill>
+            <a:schemeClr val="lt1">
+              <a:alpha val="95000"/>
+            </a:schemeClr>
+          </a:solidFill>
+          <a:ln w="12700">
+            <a:headEnd type="none" w="med" len="med"/>
+            <a:tailEnd type="none" w="med" len="med"/>
+          </a:ln>
+        </p:spPr>
+        <p:style>
+          <a:lnRef idx="2">
+            <a:schemeClr val="accent1"/>
+          </a:lnRef>
+          <a:fillRef idx="1">
+            <a:schemeClr val="lt1"/>
+          </a:fillRef>
+          <a:effectRef idx="0">
+            <a:schemeClr val="accent1"/>
+          </a:effectRef>
+          <a:fontRef idx="minor">
+            <a:schemeClr val="dk1"/>
+          </a:fontRef>
+        </p:style>
+        <p:txBody>
+          <a:bodyPr vert="horz" wrap="square" lIns="36000" tIns="36000" rIns="36000" bIns="36000" numCol="1" rtlCol="0" anchor="ctr" anchorCtr="0" compatLnSpc="1">
+            <a:prstTxWarp prst="textNoShape">
+              <a:avLst/>
+            </a:prstTxWarp>
+          </a:bodyPr>
+          <a:lstStyle/>
+          <a:p>
+            <a:r>
+              <a:rPr lang="en-US" sz="800" dirty="0">
+                <a:solidFill>
+                  <a:schemeClr val="tx1"/>
+                </a:solidFill>
+              </a:rPr>
+              <a:t>21</a:t>
+            </a:r>
+            <a:r>
+              <a:rPr lang="en-CH" sz="800" dirty="0">
+                <a:solidFill>
+                  <a:schemeClr val="tx1"/>
+                </a:solidFill>
+              </a:rPr>
+              <a:t>. Submit </a:t>
+            </a:r>
+            <a:r>
+              <a:rPr lang="en-US" sz="800" dirty="0" err="1">
+                <a:solidFill>
+                  <a:schemeClr val="tx1"/>
+                </a:solidFill>
+              </a:rPr>
+              <a:t>registerCCKeys</a:t>
+            </a:r>
+            <a:r>
+              <a:rPr lang="en-CH" sz="800" dirty="0">
+                <a:solidFill>
+                  <a:schemeClr val="tx1"/>
+                </a:solidFill>
+              </a:rPr>
+              <a:t> tx for ordering</a:t>
+            </a:r>
+          </a:p>
+        </p:txBody>
+      </p:sp>
+      <p:sp>
+        <p:nvSpPr>
+          <p:cNvPr id="55" name="Rectangle 54">
+            <a:extLst>
+              <a:ext uri="{FF2B5EF4-FFF2-40B4-BE49-F238E27FC236}">
+                <a16:creationId xmlns:a16="http://schemas.microsoft.com/office/drawing/2014/main" id="{0ACD592F-CD23-429D-A11C-DA72E2F1DE83}"/>
+              </a:ext>
+            </a:extLst>
+          </p:cNvPr>
+          <p:cNvSpPr/>
+          <p:nvPr/>
+        </p:nvSpPr>
+        <p:spPr>
+          <a:xfrm>
+            <a:off x="4426751" y="2468170"/>
+            <a:ext cx="795910" cy="1145204"/>
+          </a:xfrm>
+          <a:prstGeom prst="rect">
+            <a:avLst/>
+          </a:prstGeom>
+          <a:solidFill>
+            <a:schemeClr val="bg2"/>
+          </a:solidFill>
+          <a:ln w="25400"/>
+          <a:effectLst>
+            <a:outerShdw blurRad="50800" dist="38100" dir="2700000" algn="tl" rotWithShape="0">
+              <a:prstClr val="black">
+                <a:alpha val="40000"/>
+              </a:prstClr>
+            </a:outerShdw>
+          </a:effectLst>
+        </p:spPr>
+        <p:style>
+          <a:lnRef idx="3">
+            <a:schemeClr val="lt1"/>
+          </a:lnRef>
+          <a:fillRef idx="1">
+            <a:schemeClr val="dk1"/>
+          </a:fillRef>
+          <a:effectRef idx="1">
+            <a:schemeClr val="dk1"/>
+          </a:effectRef>
+          <a:fontRef idx="minor">
+            <a:schemeClr val="lt1"/>
+          </a:fontRef>
+        </p:style>
+        <p:txBody>
+          <a:bodyPr rot="0" spcFirstLastPara="0" vertOverflow="overflow" horzOverflow="overflow" vert="horz" wrap="square" lIns="72000" tIns="72000" rIns="68580" bIns="34290" numCol="1" spcCol="0" rtlCol="0" fromWordArt="0" anchor="ctr" anchorCtr="0" forceAA="0" compatLnSpc="1">
+            <a:prstTxWarp prst="textNoShape">
+              <a:avLst/>
+            </a:prstTxWarp>
+            <a:noAutofit/>
+          </a:bodyPr>
+          <a:lstStyle/>
+          <a:p>
+            <a:pPr algn="ctr"/>
+            <a:r>
+              <a:rPr lang="en-US" sz="800" dirty="0"/>
+              <a:t>Shim</a:t>
+            </a:r>
+          </a:p>
+        </p:txBody>
+      </p:sp>
+      <p:cxnSp>
+        <p:nvCxnSpPr>
+          <p:cNvPr id="56" name="Straight Arrow Connector 55">
+            <a:extLst>
+              <a:ext uri="{FF2B5EF4-FFF2-40B4-BE49-F238E27FC236}">
+                <a16:creationId xmlns:a16="http://schemas.microsoft.com/office/drawing/2014/main" id="{D5BBB308-E941-4FCB-8AE8-CEB214181AF0}"/>
+              </a:ext>
+            </a:extLst>
+          </p:cNvPr>
+          <p:cNvCxnSpPr>
+            <a:cxnSpLocks/>
+          </p:cNvCxnSpPr>
+          <p:nvPr/>
+        </p:nvCxnSpPr>
+        <p:spPr bwMode="auto">
+          <a:xfrm flipV="1">
+            <a:off x="5222661" y="2626710"/>
+            <a:ext cx="296219" cy="10389"/>
+          </a:xfrm>
+          <a:prstGeom prst="straightConnector1">
+            <a:avLst/>
+          </a:prstGeom>
+          <a:ln w="31750">
+            <a:solidFill>
+              <a:srgbClr val="FFC000"/>
+            </a:solidFill>
+            <a:headEnd type="triangle" w="med" len="med"/>
+            <a:tailEnd type="triangle"/>
+          </a:ln>
+        </p:spPr>
+        <p:style>
+          <a:lnRef idx="1">
+            <a:schemeClr val="accent4"/>
+          </a:lnRef>
+          <a:fillRef idx="0">
+            <a:schemeClr val="accent4"/>
+          </a:fillRef>
+          <a:effectRef idx="0">
+            <a:schemeClr val="accent4"/>
+          </a:effectRef>
+          <a:fontRef idx="minor">
+            <a:schemeClr val="tx1"/>
+          </a:fontRef>
+        </p:style>
+      </p:cxnSp>
+      <p:cxnSp>
+        <p:nvCxnSpPr>
+          <p:cNvPr id="71" name="Straight Arrow Connector 70">
+            <a:extLst>
+              <a:ext uri="{FF2B5EF4-FFF2-40B4-BE49-F238E27FC236}">
+                <a16:creationId xmlns:a16="http://schemas.microsoft.com/office/drawing/2014/main" id="{C9BE4C6F-DFE4-4E17-825D-5D31ABCDFAB0}"/>
+              </a:ext>
+            </a:extLst>
+          </p:cNvPr>
+          <p:cNvCxnSpPr>
+            <a:cxnSpLocks/>
+          </p:cNvCxnSpPr>
+          <p:nvPr/>
+        </p:nvCxnSpPr>
+        <p:spPr bwMode="auto">
+          <a:xfrm>
+            <a:off x="5229824" y="3455474"/>
+            <a:ext cx="296219" cy="151"/>
+          </a:xfrm>
+          <a:prstGeom prst="straightConnector1">
+            <a:avLst/>
+          </a:prstGeom>
+          <a:ln w="31750">
+            <a:solidFill>
+              <a:srgbClr val="FFC000"/>
+            </a:solidFill>
+            <a:headEnd type="triangle" w="med" len="med"/>
+            <a:tailEnd type="triangle"/>
+          </a:ln>
+        </p:spPr>
+        <p:style>
+          <a:lnRef idx="1">
+            <a:schemeClr val="accent4"/>
+          </a:lnRef>
+          <a:fillRef idx="0">
+            <a:schemeClr val="accent4"/>
+          </a:fillRef>
+          <a:effectRef idx="0">
+            <a:schemeClr val="accent4"/>
+          </a:effectRef>
+          <a:fontRef idx="minor">
+            <a:schemeClr val="tx1"/>
+          </a:fontRef>
+        </p:style>
+      </p:cxnSp>
+      <p:pic>
+        <p:nvPicPr>
+          <p:cNvPr id="54" name="pasted-image.png">
+            <a:extLst>
+              <a:ext uri="{FF2B5EF4-FFF2-40B4-BE49-F238E27FC236}">
+                <a16:creationId xmlns:a16="http://schemas.microsoft.com/office/drawing/2014/main" id="{128E4426-ACF8-4F10-B601-96E6EB4F0568}"/>
+              </a:ext>
+            </a:extLst>
+          </p:cNvPr>
+          <p:cNvPicPr>
+            <a:picLocks noChangeAspect="1"/>
+          </p:cNvPicPr>
+          <p:nvPr/>
+        </p:nvPicPr>
+        <p:blipFill rotWithShape="1">
+          <a:blip r:embed="rId6"/>
+          <a:srcRect t="-8233" b="-1"/>
+          <a:stretch/>
+        </p:blipFill>
+        <p:spPr>
+          <a:xfrm>
+            <a:off x="841591" y="1888336"/>
+            <a:ext cx="479895" cy="519407"/>
+          </a:xfrm>
+          <a:prstGeom prst="rect">
+            <a:avLst/>
+          </a:prstGeom>
+          <a:ln w="3175" cap="flat">
+            <a:noFill/>
+            <a:miter lim="400000"/>
+          </a:ln>
+          <a:effectLst/>
+        </p:spPr>
+      </p:pic>
+      <p:pic>
+        <p:nvPicPr>
+          <p:cNvPr id="82" name="pasted-image.png">
+            <a:extLst>
+              <a:ext uri="{FF2B5EF4-FFF2-40B4-BE49-F238E27FC236}">
+                <a16:creationId xmlns:a16="http://schemas.microsoft.com/office/drawing/2014/main" id="{5AB4E18A-8844-4A63-A741-A65F52073E66}"/>
+              </a:ext>
+            </a:extLst>
+          </p:cNvPr>
+          <p:cNvPicPr>
+            <a:picLocks noChangeAspect="1"/>
+          </p:cNvPicPr>
+          <p:nvPr/>
+        </p:nvPicPr>
+        <p:blipFill rotWithShape="1">
+          <a:blip r:embed="rId6">
+            <a:duotone>
+              <a:prstClr val="black"/>
+              <a:schemeClr val="accent1">
+                <a:tint val="45000"/>
+                <a:satMod val="400000"/>
+              </a:schemeClr>
+            </a:duotone>
+          </a:blip>
+          <a:srcRect t="-8233" b="-1"/>
+          <a:stretch/>
+        </p:blipFill>
+        <p:spPr>
+          <a:xfrm>
+            <a:off x="1421197" y="1456476"/>
+            <a:ext cx="479895" cy="519407"/>
+          </a:xfrm>
+          <a:prstGeom prst="rect">
+            <a:avLst/>
+          </a:prstGeom>
+          <a:ln w="3175" cap="flat">
+            <a:noFill/>
+            <a:miter lim="400000"/>
+          </a:ln>
+          <a:effectLst/>
+        </p:spPr>
+      </p:pic>
+      <p:pic>
+        <p:nvPicPr>
+          <p:cNvPr id="83" name="pasted-image.png">
+            <a:extLst>
+              <a:ext uri="{FF2B5EF4-FFF2-40B4-BE49-F238E27FC236}">
+                <a16:creationId xmlns:a16="http://schemas.microsoft.com/office/drawing/2014/main" id="{94200D64-C4A0-4589-9A7D-78AE48AC3E77}"/>
+              </a:ext>
+            </a:extLst>
+          </p:cNvPr>
+          <p:cNvPicPr>
+            <a:picLocks noChangeAspect="1"/>
+          </p:cNvPicPr>
+          <p:nvPr/>
+        </p:nvPicPr>
+        <p:blipFill rotWithShape="1">
+          <a:blip r:embed="rId6">
+            <a:duotone>
+              <a:prstClr val="black"/>
+              <a:srgbClr val="D9C3A5">
+                <a:tint val="50000"/>
+                <a:satMod val="180000"/>
+              </a:srgbClr>
+            </a:duotone>
+          </a:blip>
+          <a:srcRect t="-8233" b="-1"/>
+          <a:stretch/>
+        </p:blipFill>
+        <p:spPr>
+          <a:xfrm>
+            <a:off x="1700866" y="2070557"/>
+            <a:ext cx="479895" cy="519407"/>
+          </a:xfrm>
+          <a:prstGeom prst="rect">
+            <a:avLst/>
+          </a:prstGeom>
+          <a:ln w="3175" cap="flat">
+            <a:noFill/>
+            <a:miter lim="400000"/>
+          </a:ln>
+          <a:effectLst/>
+        </p:spPr>
+      </p:pic>
+      <p:pic>
+        <p:nvPicPr>
+          <p:cNvPr id="84" name="Graphic 83" descr="Contract">
+            <a:extLst>
+              <a:ext uri="{FF2B5EF4-FFF2-40B4-BE49-F238E27FC236}">
+                <a16:creationId xmlns:a16="http://schemas.microsoft.com/office/drawing/2014/main" id="{218A8F92-78DB-47B8-8924-DB772B7273EA}"/>
+              </a:ext>
+            </a:extLst>
+          </p:cNvPr>
+          <p:cNvPicPr>
+            <a:picLocks noChangeAspect="1"/>
+          </p:cNvPicPr>
+          <p:nvPr/>
+        </p:nvPicPr>
+        <p:blipFill>
+          <a:blip r:embed="rId7">
+            <a:extLst>
+              <a:ext uri="{28A0092B-C50C-407E-A947-70E740481C1C}">
+                <a14:useLocalDpi xmlns:a14="http://schemas.microsoft.com/office/drawing/2010/main" val="0"/>
+              </a:ext>
+              <a:ext uri="{96DAC541-7B7A-43D3-8B79-37D633B846F1}">
+                <asvg:svgBlip xmlns:asvg="http://schemas.microsoft.com/office/drawing/2016/SVG/main" r:embed="rId8"/>
+              </a:ext>
+            </a:extLst>
+          </a:blip>
+          <a:stretch>
+            <a:fillRect/>
+          </a:stretch>
+        </p:blipFill>
+        <p:spPr>
+          <a:xfrm>
+            <a:off x="1208471" y="1822121"/>
+            <a:ext cx="606752" cy="606752"/>
+          </a:xfrm>
+          <a:prstGeom prst="rect">
+            <a:avLst/>
+          </a:prstGeom>
+        </p:spPr>
+      </p:pic>
+      <p:pic>
+        <p:nvPicPr>
+          <p:cNvPr id="85" name="Graphic 84" descr="Tick">
+            <a:extLst>
+              <a:ext uri="{FF2B5EF4-FFF2-40B4-BE49-F238E27FC236}">
+                <a16:creationId xmlns:a16="http://schemas.microsoft.com/office/drawing/2014/main" id="{7DA6BBA5-DEA6-434F-BA7F-C4BE7B7D73F0}"/>
+              </a:ext>
+            </a:extLst>
+          </p:cNvPr>
+          <p:cNvPicPr>
+            <a:picLocks noChangeAspect="1"/>
+          </p:cNvPicPr>
+          <p:nvPr/>
+        </p:nvPicPr>
+        <p:blipFill>
+          <a:blip r:embed="rId9">
+            <a:extLst>
+              <a:ext uri="{28A0092B-C50C-407E-A947-70E740481C1C}">
+                <a14:useLocalDpi xmlns:a14="http://schemas.microsoft.com/office/drawing/2010/main" val="0"/>
+              </a:ext>
+              <a:ext uri="{96DAC541-7B7A-43D3-8B79-37D633B846F1}">
+                <asvg:svgBlip xmlns:asvg="http://schemas.microsoft.com/office/drawing/2016/SVG/main" r:embed="rId10"/>
+              </a:ext>
+            </a:extLst>
+          </a:blip>
+          <a:stretch>
+            <a:fillRect/>
+          </a:stretch>
+        </p:blipFill>
+        <p:spPr>
+          <a:xfrm>
+            <a:off x="1259227" y="1895665"/>
+            <a:ext cx="606752" cy="606752"/>
+          </a:xfrm>
+          <a:prstGeom prst="rect">
+            <a:avLst/>
+          </a:prstGeom>
+        </p:spPr>
+      </p:pic>
+    </p:spTree>
+    <p:extLst>
+      <p:ext uri="{BB962C8B-B14F-4D97-AF65-F5344CB8AC3E}">
+        <p14:creationId xmlns:p14="http://schemas.microsoft.com/office/powerpoint/2010/main" val="1989799177"/>
+      </p:ext>
+    </p:extLst>
+  </p:cSld>
+  <p:clrMapOvr>
+    <a:masterClrMapping/>
+  </p:clrMapOvr>
+</p:sld>
+</file>
+
+<file path=ppt/slides/slide5.xml><?xml version="1.0" encoding="utf-8"?>
 <p:sld xmlns:a="http://schemas.openxmlformats.org/drawingml/2006/main" xmlns:r="http://schemas.openxmlformats.org/officeDocument/2006/relationships" xmlns:p="http://schemas.openxmlformats.org/presentationml/2006/main">
   <p:cSld>
     <p:spTree>
